--- a/前端开发规范.pptx
+++ b/前端开发规范.pptx
@@ -130,7 +130,7 @@
   </p:defaultTextStyle>
   <p:extLst>
     <p:ext uri="{EFAFB233-063F-42B5-8137-9DF3F51BA10A}">
-      <p15:sldGuideLst xmlns:p15="http://schemas.microsoft.com/office/powerpoint/2012/main">
+      <p15:sldGuideLst xmlns="" xmlns:p15="http://schemas.microsoft.com/office/powerpoint/2012/main">
         <p15:guide id="1" orient="horz" pos="1620">
           <p15:clr>
             <a:srgbClr val="A4A3A4"/>
@@ -234,7 +234,7 @@
           <a:p>
             <a:fld id="{6CAB8A9E-6999-46DF-8856-30F86DD41DC8}" type="datetimeFigureOut">
               <a:rPr lang="zh-CN" altLang="en-US" smtClean="0"/>
-              <a:t>2018/11/27</a:t>
+              <a:t>2018/11/28</a:t>
             </a:fld>
             <a:endParaRPr lang="zh-CN" altLang="en-US"/>
           </a:p>
@@ -633,7 +633,7 @@
           <a:p>
             <a:fld id="{20EC9B5F-1A83-4C3E-AFBB-57FC57FD78D1}" type="datetimeFigureOut">
               <a:rPr lang="zh-CN" altLang="en-US" smtClean="0"/>
-              <a:t>2018/11/27</a:t>
+              <a:t>2018/11/28</a:t>
             </a:fld>
             <a:endParaRPr lang="zh-CN" altLang="en-US"/>
           </a:p>
@@ -803,7 +803,7 @@
           <a:p>
             <a:fld id="{20EC9B5F-1A83-4C3E-AFBB-57FC57FD78D1}" type="datetimeFigureOut">
               <a:rPr lang="zh-CN" altLang="en-US" smtClean="0"/>
-              <a:t>2018/11/27</a:t>
+              <a:t>2018/11/28</a:t>
             </a:fld>
             <a:endParaRPr lang="zh-CN" altLang="en-US"/>
           </a:p>
@@ -983,7 +983,7 @@
           <a:p>
             <a:fld id="{20EC9B5F-1A83-4C3E-AFBB-57FC57FD78D1}" type="datetimeFigureOut">
               <a:rPr lang="zh-CN" altLang="en-US" smtClean="0"/>
-              <a:t>2018/11/27</a:t>
+              <a:t>2018/11/28</a:t>
             </a:fld>
             <a:endParaRPr lang="zh-CN" altLang="en-US"/>
           </a:p>
@@ -1315,7 +1315,7 @@
           <a:p>
             <a:fld id="{20EC9B5F-1A83-4C3E-AFBB-57FC57FD78D1}" type="datetimeFigureOut">
               <a:rPr lang="zh-CN" altLang="en-US" smtClean="0"/>
-              <a:t>2018/11/27</a:t>
+              <a:t>2018/11/28</a:t>
             </a:fld>
             <a:endParaRPr lang="zh-CN" altLang="en-US"/>
           </a:p>
@@ -1561,7 +1561,7 @@
           <a:p>
             <a:fld id="{20EC9B5F-1A83-4C3E-AFBB-57FC57FD78D1}" type="datetimeFigureOut">
               <a:rPr lang="zh-CN" altLang="en-US" smtClean="0"/>
-              <a:t>2018/11/27</a:t>
+              <a:t>2018/11/28</a:t>
             </a:fld>
             <a:endParaRPr lang="zh-CN" altLang="en-US"/>
           </a:p>
@@ -1793,7 +1793,7 @@
           <a:p>
             <a:fld id="{20EC9B5F-1A83-4C3E-AFBB-57FC57FD78D1}" type="datetimeFigureOut">
               <a:rPr lang="zh-CN" altLang="en-US" smtClean="0"/>
-              <a:t>2018/11/27</a:t>
+              <a:t>2018/11/28</a:t>
             </a:fld>
             <a:endParaRPr lang="zh-CN" altLang="en-US"/>
           </a:p>
@@ -2160,7 +2160,7 @@
           <a:p>
             <a:fld id="{20EC9B5F-1A83-4C3E-AFBB-57FC57FD78D1}" type="datetimeFigureOut">
               <a:rPr lang="zh-CN" altLang="en-US" smtClean="0"/>
-              <a:t>2018/11/27</a:t>
+              <a:t>2018/11/28</a:t>
             </a:fld>
             <a:endParaRPr lang="zh-CN" altLang="en-US"/>
           </a:p>
@@ -22605,7 +22605,7 @@
           <a:p>
             <a:fld id="{20EC9B5F-1A83-4C3E-AFBB-57FC57FD78D1}" type="datetimeFigureOut">
               <a:rPr lang="zh-CN" altLang="en-US" smtClean="0"/>
-              <a:t>2018/11/27</a:t>
+              <a:t>2018/11/28</a:t>
             </a:fld>
             <a:endParaRPr lang="zh-CN" altLang="en-US"/>
           </a:p>
@@ -22862,7 +22862,7 @@
           <a:p>
             <a:fld id="{20EC9B5F-1A83-4C3E-AFBB-57FC57FD78D1}" type="datetimeFigureOut">
               <a:rPr lang="zh-CN" altLang="en-US" smtClean="0"/>
-              <a:t>2018/11/27</a:t>
+              <a:t>2018/11/28</a:t>
             </a:fld>
             <a:endParaRPr lang="zh-CN" altLang="en-US"/>
           </a:p>
@@ -23075,7 +23075,7 @@
           <a:p>
             <a:fld id="{20EC9B5F-1A83-4C3E-AFBB-57FC57FD78D1}" type="datetimeFigureOut">
               <a:rPr lang="zh-CN" altLang="en-US" smtClean="0"/>
-              <a:t>2018/11/27</a:t>
+              <a:t>2018/11/28</a:t>
             </a:fld>
             <a:endParaRPr lang="zh-CN" altLang="en-US"/>
           </a:p>
@@ -42852,12 +42852,20 @@
               <a:t>CSS</a:t>
             </a:r>
             <a:r>
+              <a:rPr lang="zh-CN" altLang="en-US" sz="2000" dirty="0">
+                <a:solidFill>
+                  <a:schemeClr val="bg1"/>
+                </a:solidFill>
+              </a:rPr>
+              <a:t>样式</a:t>
+            </a:r>
+            <a:r>
               <a:rPr lang="zh-CN" altLang="en-US" sz="2000" dirty="0" smtClean="0">
                 <a:solidFill>
                   <a:schemeClr val="bg1"/>
                 </a:solidFill>
               </a:rPr>
-              <a:t>表现：</a:t>
+              <a:t>：</a:t>
             </a:r>
             <a:endParaRPr lang="en-US" altLang="zh-CN" sz="2000" dirty="0" smtClean="0">
               <a:solidFill>
@@ -42876,7 +42884,7 @@
         <p:spPr>
           <a:xfrm>
             <a:off x="2284730" y="2019791"/>
-            <a:ext cx="4291168" cy="1200329"/>
+            <a:ext cx="4291168" cy="830997"/>
           </a:xfrm>
           <a:prstGeom prst="rect">
             <a:avLst/>
@@ -42912,7 +42920,17 @@
                 <a:latin typeface="微软雅黑 Light" panose="020B0502040204020203" pitchFamily="34" charset="-122"/>
                 <a:ea typeface="微软雅黑 Light" panose="020B0502040204020203" pitchFamily="34" charset="-122"/>
               </a:rPr>
-              <a:t>初始化、提高样式重复</a:t>
+              <a:t>初始化、</a:t>
+            </a:r>
+            <a:r>
+              <a:rPr lang="zh-CN" altLang="en-US" sz="1600" dirty="0">
+                <a:solidFill>
+                  <a:schemeClr val="bg1"/>
+                </a:solidFill>
+                <a:latin typeface="微软雅黑 Light" panose="020B0502040204020203" pitchFamily="34" charset="-122"/>
+                <a:ea typeface="微软雅黑 Light" panose="020B0502040204020203" pitchFamily="34" charset="-122"/>
+              </a:rPr>
+              <a:t>提升样式复用性、</a:t>
             </a:r>
             <a:r>
               <a:rPr lang="zh-CN" altLang="en-US" sz="1600" dirty="0" smtClean="0">
@@ -42922,57 +42940,7 @@
                 <a:latin typeface="微软雅黑 Light" panose="020B0502040204020203" pitchFamily="34" charset="-122"/>
                 <a:ea typeface="微软雅黑 Light" panose="020B0502040204020203" pitchFamily="34" charset="-122"/>
               </a:rPr>
-              <a:t>使用率（</a:t>
-            </a:r>
-            <a:r>
-              <a:rPr lang="en-US" altLang="zh-CN" sz="1600" dirty="0">
-                <a:solidFill>
-                  <a:schemeClr val="bg1"/>
-                </a:solidFill>
-                <a:latin typeface="微软雅黑 Light" panose="020B0502040204020203" pitchFamily="34" charset="-122"/>
-                <a:ea typeface="微软雅黑 Light" panose="020B0502040204020203" pitchFamily="34" charset="-122"/>
-              </a:rPr>
-              <a:t>ID</a:t>
-            </a:r>
-            <a:r>
-              <a:rPr lang="zh-CN" altLang="en-US" sz="1600" dirty="0">
-                <a:solidFill>
-                  <a:schemeClr val="bg1"/>
-                </a:solidFill>
-                <a:latin typeface="微软雅黑 Light" panose="020B0502040204020203" pitchFamily="34" charset="-122"/>
-                <a:ea typeface="微软雅黑 Light" panose="020B0502040204020203" pitchFamily="34" charset="-122"/>
-              </a:rPr>
-              <a:t>选择</a:t>
-            </a:r>
-            <a:r>
-              <a:rPr lang="zh-CN" altLang="en-US" sz="1600" dirty="0" smtClean="0">
-                <a:solidFill>
-                  <a:schemeClr val="bg1"/>
-                </a:solidFill>
-                <a:latin typeface="微软雅黑 Light" panose="020B0502040204020203" pitchFamily="34" charset="-122"/>
-                <a:ea typeface="微软雅黑 Light" panose="020B0502040204020203" pitchFamily="34" charset="-122"/>
-              </a:rPr>
-              <a:t>器</a:t>
-            </a:r>
-            <a:r>
-              <a:rPr lang="zh-CN" altLang="en-US" sz="1600" dirty="0">
-                <a:solidFill>
-                  <a:schemeClr val="bg1"/>
-                </a:solidFill>
-                <a:latin typeface="微软雅黑 Light" panose="020B0502040204020203" pitchFamily="34" charset="-122"/>
-                <a:ea typeface="微软雅黑 Light" panose="020B0502040204020203" pitchFamily="34" charset="-122"/>
-              </a:rPr>
-              <a:t>权重高、可复用性</a:t>
-            </a:r>
-            <a:r>
-              <a:rPr lang="zh-CN" altLang="en-US" sz="1600" dirty="0" smtClean="0">
-                <a:solidFill>
-                  <a:schemeClr val="bg1"/>
-                </a:solidFill>
-                <a:latin typeface="微软雅黑 Light" panose="020B0502040204020203" pitchFamily="34" charset="-122"/>
-                <a:ea typeface="微软雅黑 Light" panose="020B0502040204020203" pitchFamily="34" charset="-122"/>
-              </a:rPr>
-              <a:t>差应尽量避免使用）、兼容性处理（渐变、圆角、）</a:t>
+              <a:t>兼容性处理（渐变、圆角、）</a:t>
             </a:r>
             <a:endParaRPr lang="zh-CN" altLang="en-US" sz="1600" dirty="0">
               <a:solidFill>
@@ -43140,6 +43108,99 @@
           </a:p>
         </p:txBody>
       </p:sp>
+      <p:pic>
+        <p:nvPicPr>
+          <p:cNvPr id="2050" name="Picture 2"/>
+          <p:cNvPicPr>
+            <a:picLocks noChangeAspect="1" noChangeArrowheads="1"/>
+          </p:cNvPicPr>
+          <p:nvPr/>
+        </p:nvPicPr>
+        <p:blipFill>
+          <a:blip r:embed="rId2">
+            <a:extLst>
+              <a:ext uri="{28A0092B-C50C-407E-A947-70E740481C1C}">
+                <a14:useLocalDpi xmlns:a14="http://schemas.microsoft.com/office/drawing/2010/main" val="0"/>
+              </a:ext>
+            </a:extLst>
+          </a:blip>
+          <a:srcRect/>
+          <a:stretch>
+            <a:fillRect/>
+          </a:stretch>
+        </p:blipFill>
+        <p:spPr bwMode="auto">
+          <a:xfrm>
+            <a:off x="1056422" y="1540954"/>
+            <a:ext cx="6928967" cy="3129236"/>
+          </a:xfrm>
+          <a:prstGeom prst="rect">
+            <a:avLst/>
+          </a:prstGeom>
+          <a:noFill/>
+          <a:ln>
+            <a:noFill/>
+          </a:ln>
+          <a:extLst>
+            <a:ext uri="{909E8E84-426E-40DD-AFC4-6F175D3DCCD1}">
+              <a14:hiddenFill xmlns:a14="http://schemas.microsoft.com/office/drawing/2010/main">
+                <a:solidFill>
+                  <a:schemeClr val="accent1"/>
+                </a:solidFill>
+              </a14:hiddenFill>
+            </a:ext>
+            <a:ext uri="{91240B29-F687-4F45-9708-019B960494DF}">
+              <a14:hiddenLine xmlns:a14="http://schemas.microsoft.com/office/drawing/2010/main" w="9525">
+                <a:solidFill>
+                  <a:schemeClr val="tx1"/>
+                </a:solidFill>
+                <a:miter lim="800000"/>
+                <a:headEnd/>
+                <a:tailEnd/>
+              </a14:hiddenLine>
+            </a:ext>
+          </a:extLst>
+        </p:spPr>
+      </p:pic>
+      <p:sp>
+        <p:nvSpPr>
+          <p:cNvPr id="5" name="文本框 9"/>
+          <p:cNvSpPr txBox="1"/>
+          <p:nvPr/>
+        </p:nvSpPr>
+        <p:spPr>
+          <a:xfrm>
+            <a:off x="1812109" y="910685"/>
+            <a:ext cx="4990290" cy="369332"/>
+          </a:xfrm>
+          <a:prstGeom prst="rect">
+            <a:avLst/>
+          </a:prstGeom>
+          <a:noFill/>
+        </p:spPr>
+        <p:txBody>
+          <a:bodyPr wrap="square" rtlCol="0">
+            <a:spAutoFit/>
+          </a:bodyPr>
+          <a:lstStyle/>
+          <a:p>
+            <a:pPr algn="ctr"/>
+            <a:r>
+              <a:rPr lang="zh-CN" altLang="en-US" sz="1800" dirty="0">
+                <a:solidFill>
+                  <a:schemeClr val="bg1"/>
+                </a:solidFill>
+              </a:rPr>
+              <a:t>不同浏览器对有些标签的默认值是不同的</a:t>
+            </a:r>
+            <a:endParaRPr lang="en-US" altLang="zh-CN" sz="1800" dirty="0" smtClean="0">
+              <a:solidFill>
+                <a:schemeClr val="bg1"/>
+              </a:solidFill>
+            </a:endParaRPr>
+          </a:p>
+        </p:txBody>
+      </p:sp>
     </p:spTree>
     <p:extLst>
       <p:ext uri="{BB962C8B-B14F-4D97-AF65-F5344CB8AC3E}">
@@ -43210,35 +43271,17 @@
                 <a:latin typeface="微软雅黑 Light" panose="020B0502040204020203" pitchFamily="34" charset="-122"/>
                 <a:ea typeface="微软雅黑 Light" panose="020B0502040204020203" pitchFamily="34" charset="-122"/>
               </a:rPr>
-              <a:t>尽量避免用</a:t>
+              <a:t>提升</a:t>
             </a:r>
             <a:r>
-              <a:rPr lang="en-US" altLang="zh-CN" sz="2000" dirty="0">
+              <a:rPr lang="zh-CN" altLang="en-US" sz="2000" dirty="0" smtClean="0">
                 <a:solidFill>
                   <a:schemeClr val="bg1"/>
                 </a:solidFill>
                 <a:latin typeface="微软雅黑 Light" panose="020B0502040204020203" pitchFamily="34" charset="-122"/>
                 <a:ea typeface="微软雅黑 Light" panose="020B0502040204020203" pitchFamily="34" charset="-122"/>
               </a:rPr>
-              <a:t>ID</a:t>
-            </a:r>
-            <a:r>
-              <a:rPr lang="zh-CN" altLang="en-US" sz="2000" dirty="0">
-                <a:solidFill>
-                  <a:schemeClr val="bg1"/>
-                </a:solidFill>
-                <a:latin typeface="微软雅黑 Light" panose="020B0502040204020203" pitchFamily="34" charset="-122"/>
-                <a:ea typeface="微软雅黑 Light" panose="020B0502040204020203" pitchFamily="34" charset="-122"/>
-              </a:rPr>
-              <a:t>选择器</a:t>
-            </a:r>
-            <a:r>
-              <a:rPr lang="zh-CN" altLang="en-US" sz="2000" dirty="0" smtClean="0">
-                <a:solidFill>
-                  <a:schemeClr val="bg1"/>
-                </a:solidFill>
-              </a:rPr>
-              <a:t>：</a:t>
+              <a:t>样式复用性：</a:t>
             </a:r>
             <a:endParaRPr lang="en-US" altLang="zh-CN" sz="2000" dirty="0" smtClean="0">
               <a:solidFill>
@@ -43283,6 +43326,495 @@
           </a:bodyPr>
           <a:lstStyle/>
           <a:p>
+            <a:endParaRPr lang="zh-CN" altLang="en-US"/>
+          </a:p>
+        </p:txBody>
+      </p:sp>
+      <p:sp>
+        <p:nvSpPr>
+          <p:cNvPr id="4" name="文本框 9"/>
+          <p:cNvSpPr txBox="1"/>
+          <p:nvPr/>
+        </p:nvSpPr>
+        <p:spPr>
+          <a:xfrm>
+            <a:off x="1621864" y="1356216"/>
+            <a:ext cx="4990290" cy="1938992"/>
+          </a:xfrm>
+          <a:prstGeom prst="rect">
+            <a:avLst/>
+          </a:prstGeom>
+          <a:noFill/>
+        </p:spPr>
+        <p:txBody>
+          <a:bodyPr wrap="square" rtlCol="0">
+            <a:spAutoFit/>
+          </a:bodyPr>
+          <a:lstStyle/>
+          <a:p>
+            <a:pPr>
+              <a:lnSpc>
+                <a:spcPct val="150000"/>
+              </a:lnSpc>
+            </a:pPr>
+            <a:r>
+              <a:rPr lang="en-US" altLang="zh-CN" sz="2000" dirty="0" smtClean="0">
+                <a:solidFill>
+                  <a:schemeClr val="bg1"/>
+                </a:solidFill>
+                <a:latin typeface="微软雅黑 Light" panose="020B0502040204020203" pitchFamily="34" charset="-122"/>
+                <a:ea typeface="微软雅黑 Light" panose="020B0502040204020203" pitchFamily="34" charset="-122"/>
+              </a:rPr>
+              <a:t>1</a:t>
+            </a:r>
+            <a:r>
+              <a:rPr lang="zh-CN" altLang="en-US" sz="2000" dirty="0">
+                <a:solidFill>
+                  <a:schemeClr val="bg1"/>
+                </a:solidFill>
+                <a:latin typeface="微软雅黑 Light" panose="020B0502040204020203" pitchFamily="34" charset="-122"/>
+                <a:ea typeface="微软雅黑 Light" panose="020B0502040204020203" pitchFamily="34" charset="-122"/>
+              </a:rPr>
+              <a:t>、</a:t>
+            </a:r>
+            <a:r>
+              <a:rPr lang="zh-CN" altLang="en-US" sz="2000" dirty="0" smtClean="0">
+                <a:solidFill>
+                  <a:schemeClr val="bg1"/>
+                </a:solidFill>
+                <a:latin typeface="微软雅黑 Light" panose="020B0502040204020203" pitchFamily="34" charset="-122"/>
+                <a:ea typeface="微软雅黑 Light" panose="020B0502040204020203" pitchFamily="34" charset="-122"/>
+              </a:rPr>
+              <a:t>使用外部</a:t>
+            </a:r>
+            <a:r>
+              <a:rPr lang="en-US" altLang="zh-CN" sz="2000" dirty="0" smtClean="0">
+                <a:solidFill>
+                  <a:schemeClr val="bg1"/>
+                </a:solidFill>
+                <a:latin typeface="微软雅黑 Light" panose="020B0502040204020203" pitchFamily="34" charset="-122"/>
+                <a:ea typeface="微软雅黑 Light" panose="020B0502040204020203" pitchFamily="34" charset="-122"/>
+              </a:rPr>
+              <a:t>CSS</a:t>
+            </a:r>
+            <a:r>
+              <a:rPr lang="zh-CN" altLang="en-US" sz="2000" dirty="0" smtClean="0">
+                <a:solidFill>
+                  <a:schemeClr val="bg1"/>
+                </a:solidFill>
+                <a:latin typeface="微软雅黑 Light" panose="020B0502040204020203" pitchFamily="34" charset="-122"/>
+                <a:ea typeface="微软雅黑 Light" panose="020B0502040204020203" pitchFamily="34" charset="-122"/>
+              </a:rPr>
+              <a:t>样式表；</a:t>
+            </a:r>
+            <a:endParaRPr lang="en-US" altLang="zh-CN" sz="2000" dirty="0" smtClean="0">
+              <a:solidFill>
+                <a:schemeClr val="bg1"/>
+              </a:solidFill>
+              <a:latin typeface="微软雅黑 Light" panose="020B0502040204020203" pitchFamily="34" charset="-122"/>
+              <a:ea typeface="微软雅黑 Light" panose="020B0502040204020203" pitchFamily="34" charset="-122"/>
+            </a:endParaRPr>
+          </a:p>
+          <a:p>
+            <a:pPr>
+              <a:lnSpc>
+                <a:spcPct val="150000"/>
+              </a:lnSpc>
+            </a:pPr>
+            <a:r>
+              <a:rPr lang="en-US" altLang="zh-CN" sz="2000" dirty="0" smtClean="0">
+                <a:solidFill>
+                  <a:schemeClr val="bg1"/>
+                </a:solidFill>
+                <a:latin typeface="微软雅黑 Light" panose="020B0502040204020203" pitchFamily="34" charset="-122"/>
+                <a:ea typeface="微软雅黑 Light" panose="020B0502040204020203" pitchFamily="34" charset="-122"/>
+              </a:rPr>
+              <a:t>2</a:t>
+            </a:r>
+            <a:r>
+              <a:rPr lang="zh-CN" altLang="en-US" sz="2000" dirty="0" smtClean="0">
+                <a:solidFill>
+                  <a:schemeClr val="bg1"/>
+                </a:solidFill>
+                <a:latin typeface="微软雅黑 Light" panose="020B0502040204020203" pitchFamily="34" charset="-122"/>
+                <a:ea typeface="微软雅黑 Light" panose="020B0502040204020203" pitchFamily="34" charset="-122"/>
+              </a:rPr>
+              <a:t>、</a:t>
+            </a:r>
+            <a:r>
+              <a:rPr lang="en-US" altLang="zh-CN" sz="2000" dirty="0" smtClean="0">
+                <a:solidFill>
+                  <a:schemeClr val="bg1"/>
+                </a:solidFill>
+                <a:latin typeface="微软雅黑 Light" panose="020B0502040204020203" pitchFamily="34" charset="-122"/>
+                <a:ea typeface="微软雅黑 Light" panose="020B0502040204020203" pitchFamily="34" charset="-122"/>
+              </a:rPr>
+              <a:t>ID</a:t>
+            </a:r>
+            <a:r>
+              <a:rPr lang="zh-CN" altLang="en-US" sz="2000" dirty="0">
+                <a:solidFill>
+                  <a:schemeClr val="bg1"/>
+                </a:solidFill>
+                <a:latin typeface="微软雅黑 Light" panose="020B0502040204020203" pitchFamily="34" charset="-122"/>
+                <a:ea typeface="微软雅黑 Light" panose="020B0502040204020203" pitchFamily="34" charset="-122"/>
+              </a:rPr>
+              <a:t>选择器权重高、可复用性差应尽量避免</a:t>
+            </a:r>
+            <a:r>
+              <a:rPr lang="zh-CN" altLang="en-US" sz="2000" dirty="0" smtClean="0">
+                <a:solidFill>
+                  <a:schemeClr val="bg1"/>
+                </a:solidFill>
+                <a:latin typeface="微软雅黑 Light" panose="020B0502040204020203" pitchFamily="34" charset="-122"/>
+                <a:ea typeface="微软雅黑 Light" panose="020B0502040204020203" pitchFamily="34" charset="-122"/>
+              </a:rPr>
+              <a:t>使用，</a:t>
+            </a:r>
+            <a:endParaRPr lang="en-US" altLang="zh-CN" sz="2000" dirty="0" smtClean="0">
+              <a:solidFill>
+                <a:schemeClr val="bg1"/>
+              </a:solidFill>
+              <a:latin typeface="微软雅黑 Light" panose="020B0502040204020203" pitchFamily="34" charset="-122"/>
+              <a:ea typeface="微软雅黑 Light" panose="020B0502040204020203" pitchFamily="34" charset="-122"/>
+            </a:endParaRPr>
+          </a:p>
+          <a:p>
+            <a:pPr>
+              <a:lnSpc>
+                <a:spcPct val="150000"/>
+              </a:lnSpc>
+            </a:pPr>
+            <a:r>
+              <a:rPr lang="en-US" altLang="zh-CN" sz="2000" dirty="0" smtClean="0">
+                <a:solidFill>
+                  <a:schemeClr val="bg1"/>
+                </a:solidFill>
+                <a:ea typeface="微软雅黑 Light" panose="020B0502040204020203" pitchFamily="34" charset="-122"/>
+              </a:rPr>
+              <a:t>3</a:t>
+            </a:r>
+            <a:r>
+              <a:rPr lang="zh-CN" altLang="en-US" sz="2000" dirty="0" smtClean="0">
+                <a:solidFill>
+                  <a:schemeClr val="bg1"/>
+                </a:solidFill>
+                <a:ea typeface="微软雅黑 Light" panose="020B0502040204020203" pitchFamily="34" charset="-122"/>
+              </a:rPr>
+              <a:t>、合并重复样式</a:t>
+            </a:r>
+            <a:endParaRPr lang="en-US" altLang="zh-CN" sz="2000" dirty="0" smtClean="0">
+              <a:solidFill>
+                <a:schemeClr val="bg1"/>
+              </a:solidFill>
+            </a:endParaRPr>
+          </a:p>
+        </p:txBody>
+      </p:sp>
+      <p:pic>
+        <p:nvPicPr>
+          <p:cNvPr id="2050" name="Picture 2"/>
+          <p:cNvPicPr>
+            <a:picLocks noChangeAspect="1" noChangeArrowheads="1"/>
+          </p:cNvPicPr>
+          <p:nvPr/>
+        </p:nvPicPr>
+        <p:blipFill>
+          <a:blip r:embed="rId2">
+            <a:extLst>
+              <a:ext uri="{28A0092B-C50C-407E-A947-70E740481C1C}">
+                <a14:useLocalDpi xmlns:a14="http://schemas.microsoft.com/office/drawing/2010/main" val="0"/>
+              </a:ext>
+            </a:extLst>
+          </a:blip>
+          <a:srcRect/>
+          <a:stretch>
+            <a:fillRect/>
+          </a:stretch>
+        </p:blipFill>
+        <p:spPr bwMode="auto">
+          <a:xfrm>
+            <a:off x="4778925" y="3510311"/>
+            <a:ext cx="1667869" cy="1144503"/>
+          </a:xfrm>
+          <a:prstGeom prst="rect">
+            <a:avLst/>
+          </a:prstGeom>
+          <a:noFill/>
+          <a:ln>
+            <a:noFill/>
+          </a:ln>
+          <a:extLst>
+            <a:ext uri="{909E8E84-426E-40DD-AFC4-6F175D3DCCD1}">
+              <a14:hiddenFill xmlns:a14="http://schemas.microsoft.com/office/drawing/2010/main">
+                <a:solidFill>
+                  <a:schemeClr val="accent1"/>
+                </a:solidFill>
+              </a14:hiddenFill>
+            </a:ext>
+            <a:ext uri="{91240B29-F687-4F45-9708-019B960494DF}">
+              <a14:hiddenLine xmlns:a14="http://schemas.microsoft.com/office/drawing/2010/main" w="9525">
+                <a:solidFill>
+                  <a:schemeClr val="tx1"/>
+                </a:solidFill>
+                <a:miter lim="800000"/>
+                <a:headEnd/>
+                <a:tailEnd/>
+              </a14:hiddenLine>
+            </a:ext>
+          </a:extLst>
+        </p:spPr>
+      </p:pic>
+      <p:pic>
+        <p:nvPicPr>
+          <p:cNvPr id="2051" name="Picture 3"/>
+          <p:cNvPicPr>
+            <a:picLocks noChangeAspect="1" noChangeArrowheads="1"/>
+          </p:cNvPicPr>
+          <p:nvPr/>
+        </p:nvPicPr>
+        <p:blipFill>
+          <a:blip r:embed="rId3">
+            <a:extLst>
+              <a:ext uri="{28A0092B-C50C-407E-A947-70E740481C1C}">
+                <a14:useLocalDpi xmlns:a14="http://schemas.microsoft.com/office/drawing/2010/main" val="0"/>
+              </a:ext>
+            </a:extLst>
+          </a:blip>
+          <a:srcRect/>
+          <a:stretch>
+            <a:fillRect/>
+          </a:stretch>
+        </p:blipFill>
+        <p:spPr bwMode="auto">
+          <a:xfrm>
+            <a:off x="6977377" y="3621616"/>
+            <a:ext cx="1727747" cy="921895"/>
+          </a:xfrm>
+          <a:prstGeom prst="rect">
+            <a:avLst/>
+          </a:prstGeom>
+          <a:noFill/>
+          <a:ln>
+            <a:noFill/>
+          </a:ln>
+          <a:extLst>
+            <a:ext uri="{909E8E84-426E-40DD-AFC4-6F175D3DCCD1}">
+              <a14:hiddenFill xmlns:a14="http://schemas.microsoft.com/office/drawing/2010/main">
+                <a:solidFill>
+                  <a:schemeClr val="accent1"/>
+                </a:solidFill>
+              </a14:hiddenFill>
+            </a:ext>
+            <a:ext uri="{91240B29-F687-4F45-9708-019B960494DF}">
+              <a14:hiddenLine xmlns:a14="http://schemas.microsoft.com/office/drawing/2010/main" w="9525">
+                <a:solidFill>
+                  <a:schemeClr val="tx1"/>
+                </a:solidFill>
+                <a:miter lim="800000"/>
+                <a:headEnd/>
+                <a:tailEnd/>
+              </a14:hiddenLine>
+            </a:ext>
+          </a:extLst>
+        </p:spPr>
+      </p:pic>
+      <p:pic>
+        <p:nvPicPr>
+          <p:cNvPr id="2052" name="Picture 4"/>
+          <p:cNvPicPr>
+            <a:picLocks noChangeAspect="1" noChangeArrowheads="1"/>
+          </p:cNvPicPr>
+          <p:nvPr/>
+        </p:nvPicPr>
+        <p:blipFill>
+          <a:blip r:embed="rId4">
+            <a:extLst>
+              <a:ext uri="{28A0092B-C50C-407E-A947-70E740481C1C}">
+                <a14:useLocalDpi xmlns:a14="http://schemas.microsoft.com/office/drawing/2010/main" val="0"/>
+              </a:ext>
+            </a:extLst>
+          </a:blip>
+          <a:srcRect/>
+          <a:stretch>
+            <a:fillRect/>
+          </a:stretch>
+        </p:blipFill>
+        <p:spPr bwMode="auto">
+          <a:xfrm>
+            <a:off x="385667" y="3752647"/>
+            <a:ext cx="1492229" cy="659829"/>
+          </a:xfrm>
+          <a:prstGeom prst="rect">
+            <a:avLst/>
+          </a:prstGeom>
+          <a:noFill/>
+          <a:ln>
+            <a:noFill/>
+          </a:ln>
+          <a:extLst>
+            <a:ext uri="{909E8E84-426E-40DD-AFC4-6F175D3DCCD1}">
+              <a14:hiddenFill xmlns:a14="http://schemas.microsoft.com/office/drawing/2010/main">
+                <a:solidFill>
+                  <a:schemeClr val="accent1"/>
+                </a:solidFill>
+              </a14:hiddenFill>
+            </a:ext>
+            <a:ext uri="{91240B29-F687-4F45-9708-019B960494DF}">
+              <a14:hiddenLine xmlns:a14="http://schemas.microsoft.com/office/drawing/2010/main" w="9525">
+                <a:solidFill>
+                  <a:schemeClr val="tx1"/>
+                </a:solidFill>
+                <a:miter lim="800000"/>
+                <a:headEnd/>
+                <a:tailEnd/>
+              </a14:hiddenLine>
+            </a:ext>
+          </a:extLst>
+        </p:spPr>
+      </p:pic>
+      <p:pic>
+        <p:nvPicPr>
+          <p:cNvPr id="2053" name="Picture 5"/>
+          <p:cNvPicPr>
+            <a:picLocks noChangeAspect="1" noChangeArrowheads="1"/>
+          </p:cNvPicPr>
+          <p:nvPr/>
+        </p:nvPicPr>
+        <p:blipFill>
+          <a:blip r:embed="rId5">
+            <a:extLst>
+              <a:ext uri="{28A0092B-C50C-407E-A947-70E740481C1C}">
+                <a14:useLocalDpi xmlns:a14="http://schemas.microsoft.com/office/drawing/2010/main" val="0"/>
+              </a:ext>
+            </a:extLst>
+          </a:blip>
+          <a:srcRect/>
+          <a:stretch>
+            <a:fillRect/>
+          </a:stretch>
+        </p:blipFill>
+        <p:spPr bwMode="auto">
+          <a:xfrm>
+            <a:off x="2320263" y="3679076"/>
+            <a:ext cx="1962551" cy="806970"/>
+          </a:xfrm>
+          <a:prstGeom prst="rect">
+            <a:avLst/>
+          </a:prstGeom>
+          <a:noFill/>
+          <a:ln>
+            <a:noFill/>
+          </a:ln>
+          <a:extLst>
+            <a:ext uri="{909E8E84-426E-40DD-AFC4-6F175D3DCCD1}">
+              <a14:hiddenFill xmlns:a14="http://schemas.microsoft.com/office/drawing/2010/main">
+                <a:solidFill>
+                  <a:schemeClr val="accent1"/>
+                </a:solidFill>
+              </a14:hiddenFill>
+            </a:ext>
+            <a:ext uri="{91240B29-F687-4F45-9708-019B960494DF}">
+              <a14:hiddenLine xmlns:a14="http://schemas.microsoft.com/office/drawing/2010/main" w="9525">
+                <a:solidFill>
+                  <a:schemeClr val="tx1"/>
+                </a:solidFill>
+                <a:miter lim="800000"/>
+                <a:headEnd/>
+                <a:tailEnd/>
+              </a14:hiddenLine>
+            </a:ext>
+          </a:extLst>
+        </p:spPr>
+      </p:pic>
+      <p:sp>
+        <p:nvSpPr>
+          <p:cNvPr id="2" name="右箭头 1"/>
+          <p:cNvSpPr/>
+          <p:nvPr/>
+        </p:nvSpPr>
+        <p:spPr>
+          <a:xfrm>
+            <a:off x="1933129" y="3988993"/>
+            <a:ext cx="334520" cy="165697"/>
+          </a:xfrm>
+          <a:prstGeom prst="rightArrow">
+            <a:avLst/>
+          </a:prstGeom>
+          <a:solidFill>
+            <a:schemeClr val="bg1"/>
+          </a:solidFill>
+          <a:ln>
+            <a:noFill/>
+          </a:ln>
+        </p:spPr>
+        <p:style>
+          <a:lnRef idx="2">
+            <a:schemeClr val="accent1">
+              <a:shade val="50000"/>
+            </a:schemeClr>
+          </a:lnRef>
+          <a:fillRef idx="1">
+            <a:schemeClr val="accent1"/>
+          </a:fillRef>
+          <a:effectRef idx="0">
+            <a:schemeClr val="accent1"/>
+          </a:effectRef>
+          <a:fontRef idx="minor">
+            <a:schemeClr val="lt1"/>
+          </a:fontRef>
+        </p:style>
+        <p:txBody>
+          <a:bodyPr rtlCol="0" anchor="ctr"/>
+          <a:lstStyle/>
+          <a:p>
+            <a:pPr algn="ctr"/>
+            <a:endParaRPr lang="zh-CN" altLang="en-US"/>
+          </a:p>
+        </p:txBody>
+      </p:sp>
+      <p:sp>
+        <p:nvSpPr>
+          <p:cNvPr id="11" name="右箭头 10"/>
+          <p:cNvSpPr/>
+          <p:nvPr/>
+        </p:nvSpPr>
+        <p:spPr>
+          <a:xfrm>
+            <a:off x="6556921" y="3982855"/>
+            <a:ext cx="334520" cy="165697"/>
+          </a:xfrm>
+          <a:prstGeom prst="rightArrow">
+            <a:avLst/>
+          </a:prstGeom>
+          <a:solidFill>
+            <a:schemeClr val="bg1"/>
+          </a:solidFill>
+          <a:ln>
+            <a:noFill/>
+          </a:ln>
+        </p:spPr>
+        <p:style>
+          <a:lnRef idx="2">
+            <a:schemeClr val="accent1">
+              <a:shade val="50000"/>
+            </a:schemeClr>
+          </a:lnRef>
+          <a:fillRef idx="1">
+            <a:schemeClr val="accent1"/>
+          </a:fillRef>
+          <a:effectRef idx="0">
+            <a:schemeClr val="accent1"/>
+          </a:effectRef>
+          <a:fontRef idx="minor">
+            <a:schemeClr val="lt1"/>
+          </a:fontRef>
+        </p:style>
+        <p:txBody>
+          <a:bodyPr rtlCol="0" anchor="ctr"/>
+          <a:lstStyle/>
+          <a:p>
+            <a:pPr algn="ctr"/>
             <a:endParaRPr lang="zh-CN" altLang="en-US"/>
           </a:p>
         </p:txBody>
@@ -43485,12 +44017,20 @@
               <a:t>JS</a:t>
             </a:r>
             <a:r>
+              <a:rPr lang="zh-CN" altLang="en-US" sz="2000" dirty="0">
+                <a:solidFill>
+                  <a:schemeClr val="bg1"/>
+                </a:solidFill>
+              </a:rPr>
+              <a:t>规范</a:t>
+            </a:r>
+            <a:r>
               <a:rPr lang="zh-CN" altLang="en-US" sz="2000" dirty="0" smtClean="0">
                 <a:solidFill>
                   <a:schemeClr val="bg1"/>
                 </a:solidFill>
               </a:rPr>
-              <a:t>行为：</a:t>
+              <a:t>：</a:t>
             </a:r>
             <a:endParaRPr lang="en-US" altLang="zh-CN" sz="2000" dirty="0" smtClean="0">
               <a:solidFill>
@@ -43730,7 +44270,7 @@
         </p:nvSpPr>
         <p:spPr bwMode="auto">
           <a:xfrm>
-            <a:off x="5865779" y="2282890"/>
+            <a:off x="5821279" y="3129784"/>
             <a:ext cx="304800" cy="304800"/>
           </a:xfrm>
           <a:prstGeom prst="rect">
@@ -43759,6 +44299,306 @@
           </a:p>
         </p:txBody>
       </p:sp>
+      <p:pic>
+        <p:nvPicPr>
+          <p:cNvPr id="3074" name="Picture 2"/>
+          <p:cNvPicPr>
+            <a:picLocks noChangeAspect="1" noChangeArrowheads="1"/>
+          </p:cNvPicPr>
+          <p:nvPr/>
+        </p:nvPicPr>
+        <p:blipFill>
+          <a:blip r:embed="rId2">
+            <a:extLst>
+              <a:ext uri="{28A0092B-C50C-407E-A947-70E740481C1C}">
+                <a14:useLocalDpi xmlns:a14="http://schemas.microsoft.com/office/drawing/2010/main" val="0"/>
+              </a:ext>
+            </a:extLst>
+          </a:blip>
+          <a:srcRect/>
+          <a:stretch>
+            <a:fillRect/>
+          </a:stretch>
+        </p:blipFill>
+        <p:spPr bwMode="auto">
+          <a:xfrm>
+            <a:off x="622570" y="2884308"/>
+            <a:ext cx="3368097" cy="1270980"/>
+          </a:xfrm>
+          <a:prstGeom prst="rect">
+            <a:avLst/>
+          </a:prstGeom>
+          <a:noFill/>
+          <a:ln>
+            <a:noFill/>
+          </a:ln>
+          <a:extLst>
+            <a:ext uri="{909E8E84-426E-40DD-AFC4-6F175D3DCCD1}">
+              <a14:hiddenFill xmlns:a14="http://schemas.microsoft.com/office/drawing/2010/main">
+                <a:solidFill>
+                  <a:schemeClr val="accent1"/>
+                </a:solidFill>
+              </a14:hiddenFill>
+            </a:ext>
+            <a:ext uri="{91240B29-F687-4F45-9708-019B960494DF}">
+              <a14:hiddenLine xmlns:a14="http://schemas.microsoft.com/office/drawing/2010/main" w="9525">
+                <a:solidFill>
+                  <a:schemeClr val="tx1"/>
+                </a:solidFill>
+                <a:miter lim="800000"/>
+                <a:headEnd/>
+                <a:tailEnd/>
+              </a14:hiddenLine>
+            </a:ext>
+          </a:extLst>
+        </p:spPr>
+      </p:pic>
+      <p:sp>
+        <p:nvSpPr>
+          <p:cNvPr id="6" name="右箭头 5"/>
+          <p:cNvSpPr/>
+          <p:nvPr/>
+        </p:nvSpPr>
+        <p:spPr>
+          <a:xfrm>
+            <a:off x="4386350" y="3357261"/>
+            <a:ext cx="656089" cy="324979"/>
+          </a:xfrm>
+          <a:prstGeom prst="rightArrow">
+            <a:avLst/>
+          </a:prstGeom>
+          <a:solidFill>
+            <a:schemeClr val="bg1"/>
+          </a:solidFill>
+          <a:ln>
+            <a:noFill/>
+          </a:ln>
+        </p:spPr>
+        <p:style>
+          <a:lnRef idx="2">
+            <a:schemeClr val="accent1">
+              <a:shade val="50000"/>
+            </a:schemeClr>
+          </a:lnRef>
+          <a:fillRef idx="1">
+            <a:schemeClr val="accent1"/>
+          </a:fillRef>
+          <a:effectRef idx="0">
+            <a:schemeClr val="accent1"/>
+          </a:effectRef>
+          <a:fontRef idx="minor">
+            <a:schemeClr val="lt1"/>
+          </a:fontRef>
+        </p:style>
+        <p:txBody>
+          <a:bodyPr rtlCol="0" anchor="ctr"/>
+          <a:lstStyle/>
+          <a:p>
+            <a:pPr algn="ctr"/>
+            <a:endParaRPr lang="zh-CN" altLang="en-US"/>
+          </a:p>
+        </p:txBody>
+      </p:sp>
+      <p:sp>
+        <p:nvSpPr>
+          <p:cNvPr id="7" name="文本框 9"/>
+          <p:cNvSpPr txBox="1"/>
+          <p:nvPr/>
+        </p:nvSpPr>
+        <p:spPr>
+          <a:xfrm>
+            <a:off x="979817" y="853219"/>
+            <a:ext cx="4990290" cy="1711366"/>
+          </a:xfrm>
+          <a:prstGeom prst="rect">
+            <a:avLst/>
+          </a:prstGeom>
+          <a:noFill/>
+        </p:spPr>
+        <p:txBody>
+          <a:bodyPr wrap="square" rtlCol="0">
+            <a:spAutoFit/>
+          </a:bodyPr>
+          <a:lstStyle/>
+          <a:p>
+            <a:pPr>
+              <a:lnSpc>
+                <a:spcPct val="150000"/>
+              </a:lnSpc>
+            </a:pPr>
+            <a:r>
+              <a:rPr lang="en-US" altLang="zh-CN" sz="1800" dirty="0" smtClean="0">
+                <a:solidFill>
+                  <a:schemeClr val="bg1"/>
+                </a:solidFill>
+              </a:rPr>
+              <a:t>1</a:t>
+            </a:r>
+            <a:r>
+              <a:rPr lang="zh-CN" altLang="en-US" sz="1800" dirty="0" smtClean="0">
+                <a:solidFill>
+                  <a:schemeClr val="bg1"/>
+                </a:solidFill>
+              </a:rPr>
+              <a:t>、</a:t>
+            </a:r>
+            <a:r>
+              <a:rPr lang="en-US" altLang="zh-CN" sz="1800" dirty="0" smtClean="0">
+                <a:solidFill>
+                  <a:schemeClr val="bg1"/>
+                </a:solidFill>
+              </a:rPr>
+              <a:t>jQuery</a:t>
+            </a:r>
+            <a:r>
+              <a:rPr lang="zh-CN" altLang="en-US" sz="1800" dirty="0" smtClean="0">
+                <a:solidFill>
+                  <a:schemeClr val="bg1"/>
+                </a:solidFill>
+              </a:rPr>
+              <a:t>使用简写：</a:t>
+            </a:r>
+            <a:r>
+              <a:rPr lang="en-US" altLang="zh-CN" sz="1800" dirty="0" smtClean="0">
+                <a:solidFill>
+                  <a:schemeClr val="bg1"/>
+                </a:solidFill>
+              </a:rPr>
+              <a:t>$</a:t>
+            </a:r>
+          </a:p>
+          <a:p>
+            <a:pPr>
+              <a:lnSpc>
+                <a:spcPct val="150000"/>
+              </a:lnSpc>
+            </a:pPr>
+            <a:r>
+              <a:rPr lang="en-US" altLang="zh-CN" sz="1800" dirty="0" smtClean="0">
+                <a:solidFill>
+                  <a:schemeClr val="bg1"/>
+                </a:solidFill>
+              </a:rPr>
+              <a:t>2</a:t>
+            </a:r>
+            <a:r>
+              <a:rPr lang="zh-CN" altLang="en-US" sz="1800" dirty="0" smtClean="0">
+                <a:solidFill>
+                  <a:schemeClr val="bg1"/>
+                </a:solidFill>
+              </a:rPr>
+              <a:t>、双引号变单引号</a:t>
+            </a:r>
+            <a:endParaRPr lang="en-US" altLang="zh-CN" sz="1800" dirty="0" smtClean="0">
+              <a:solidFill>
+                <a:schemeClr val="bg1"/>
+              </a:solidFill>
+            </a:endParaRPr>
+          </a:p>
+          <a:p>
+            <a:pPr>
+              <a:lnSpc>
+                <a:spcPct val="150000"/>
+              </a:lnSpc>
+            </a:pPr>
+            <a:r>
+              <a:rPr lang="en-US" altLang="zh-CN" sz="1800" dirty="0" smtClean="0">
+                <a:solidFill>
+                  <a:schemeClr val="bg1"/>
+                </a:solidFill>
+              </a:rPr>
+              <a:t>3</a:t>
+            </a:r>
+            <a:r>
+              <a:rPr lang="zh-CN" altLang="en-US" sz="1800" dirty="0" smtClean="0">
+                <a:solidFill>
+                  <a:schemeClr val="bg1"/>
+                </a:solidFill>
+              </a:rPr>
+              <a:t>、变量声明简写</a:t>
+            </a:r>
+            <a:endParaRPr lang="en-US" altLang="zh-CN" sz="1800" dirty="0" smtClean="0">
+              <a:solidFill>
+                <a:schemeClr val="bg1"/>
+              </a:solidFill>
+            </a:endParaRPr>
+          </a:p>
+          <a:p>
+            <a:pPr>
+              <a:lnSpc>
+                <a:spcPct val="150000"/>
+              </a:lnSpc>
+            </a:pPr>
+            <a:r>
+              <a:rPr lang="en-US" altLang="zh-CN" sz="1800" dirty="0">
+                <a:solidFill>
+                  <a:schemeClr val="bg1"/>
+                </a:solidFill>
+              </a:rPr>
+              <a:t>……</a:t>
+            </a:r>
+            <a:endParaRPr lang="en-US" altLang="zh-CN" sz="1800" dirty="0" smtClean="0">
+              <a:solidFill>
+                <a:schemeClr val="bg1"/>
+              </a:solidFill>
+            </a:endParaRPr>
+          </a:p>
+        </p:txBody>
+      </p:sp>
+      <p:pic>
+        <p:nvPicPr>
+          <p:cNvPr id="3076" name="Picture 4"/>
+          <p:cNvPicPr>
+            <a:picLocks noChangeAspect="1" noChangeArrowheads="1"/>
+          </p:cNvPicPr>
+          <p:nvPr/>
+        </p:nvPicPr>
+        <p:blipFill>
+          <a:blip r:embed="rId3">
+            <a:extLst>
+              <a:ext uri="{28A0092B-C50C-407E-A947-70E740481C1C}">
+                <a14:useLocalDpi xmlns:a14="http://schemas.microsoft.com/office/drawing/2010/main" val="0"/>
+              </a:ext>
+            </a:extLst>
+          </a:blip>
+          <a:srcRect/>
+          <a:stretch>
+            <a:fillRect/>
+          </a:stretch>
+        </p:blipFill>
+        <p:spPr bwMode="auto">
+          <a:xfrm>
+            <a:off x="5550295" y="2878947"/>
+            <a:ext cx="3010699" cy="1276341"/>
+          </a:xfrm>
+          <a:prstGeom prst="rect">
+            <a:avLst/>
+          </a:prstGeom>
+          <a:noFill/>
+          <a:ln>
+            <a:noFill/>
+          </a:ln>
+          <a:extLst>
+            <a:ext uri="{909E8E84-426E-40DD-AFC4-6F175D3DCCD1}">
+              <a14:hiddenFill xmlns:a14="http://schemas.microsoft.com/office/drawing/2010/main">
+                <a:solidFill>
+                  <a:schemeClr val="accent1"/>
+                </a:solidFill>
+              </a14:hiddenFill>
+            </a:ext>
+            <a:ext uri="{91240B29-F687-4F45-9708-019B960494DF}">
+              <a14:hiddenLine xmlns:a14="http://schemas.microsoft.com/office/drawing/2010/main" w="9525">
+                <a:solidFill>
+                  <a:schemeClr val="tx1"/>
+                </a:solidFill>
+                <a:miter lim="800000"/>
+                <a:headEnd/>
+                <a:tailEnd/>
+              </a14:hiddenLine>
+            </a:ext>
+          </a:extLst>
+        </p:spPr>
+      </p:pic>
     </p:spTree>
     <p:extLst>
       <p:ext uri="{BB962C8B-B14F-4D97-AF65-F5344CB8AC3E}">
@@ -43924,6 +44764,114 @@
           </a:p>
         </p:txBody>
       </p:sp>
+      <p:pic>
+        <p:nvPicPr>
+          <p:cNvPr id="7172" name="Picture 4"/>
+          <p:cNvPicPr>
+            <a:picLocks noChangeAspect="1" noChangeArrowheads="1"/>
+          </p:cNvPicPr>
+          <p:nvPr/>
+        </p:nvPicPr>
+        <p:blipFill>
+          <a:blip r:embed="rId2">
+            <a:extLst>
+              <a:ext uri="{28A0092B-C50C-407E-A947-70E740481C1C}">
+                <a14:useLocalDpi xmlns:a14="http://schemas.microsoft.com/office/drawing/2010/main" val="0"/>
+              </a:ext>
+            </a:extLst>
+          </a:blip>
+          <a:srcRect/>
+          <a:stretch>
+            <a:fillRect/>
+          </a:stretch>
+        </p:blipFill>
+        <p:spPr bwMode="auto">
+          <a:xfrm>
+            <a:off x="706191" y="968195"/>
+            <a:ext cx="3561556" cy="1014412"/>
+          </a:xfrm>
+          <a:prstGeom prst="rect">
+            <a:avLst/>
+          </a:prstGeom>
+          <a:noFill/>
+          <a:ln>
+            <a:noFill/>
+          </a:ln>
+          <a:extLst>
+            <a:ext uri="{909E8E84-426E-40DD-AFC4-6F175D3DCCD1}">
+              <a14:hiddenFill xmlns:a14="http://schemas.microsoft.com/office/drawing/2010/main">
+                <a:solidFill>
+                  <a:schemeClr val="accent1"/>
+                </a:solidFill>
+              </a14:hiddenFill>
+            </a:ext>
+            <a:ext uri="{91240B29-F687-4F45-9708-019B960494DF}">
+              <a14:hiddenLine xmlns:a14="http://schemas.microsoft.com/office/drawing/2010/main" w="9525">
+                <a:solidFill>
+                  <a:schemeClr val="tx1"/>
+                </a:solidFill>
+                <a:miter lim="800000"/>
+                <a:headEnd/>
+                <a:tailEnd/>
+              </a14:hiddenLine>
+            </a:ext>
+          </a:extLst>
+        </p:spPr>
+      </p:pic>
+      <p:pic>
+        <p:nvPicPr>
+          <p:cNvPr id="7173" name="Picture 5"/>
+          <p:cNvPicPr>
+            <a:picLocks noChangeAspect="1" noChangeArrowheads="1"/>
+          </p:cNvPicPr>
+          <p:nvPr/>
+        </p:nvPicPr>
+        <p:blipFill>
+          <a:blip r:embed="rId3">
+            <a:extLst>
+              <a:ext uri="{28A0092B-C50C-407E-A947-70E740481C1C}">
+                <a14:useLocalDpi xmlns:a14="http://schemas.microsoft.com/office/drawing/2010/main" val="0"/>
+              </a:ext>
+            </a:extLst>
+          </a:blip>
+          <a:srcRect/>
+          <a:stretch>
+            <a:fillRect/>
+          </a:stretch>
+        </p:blipFill>
+        <p:spPr bwMode="auto">
+          <a:xfrm>
+            <a:off x="706191" y="2358816"/>
+            <a:ext cx="2266694" cy="2537034"/>
+          </a:xfrm>
+          <a:prstGeom prst="rect">
+            <a:avLst/>
+          </a:prstGeom>
+          <a:noFill/>
+          <a:ln>
+            <a:noFill/>
+          </a:ln>
+          <a:extLst>
+            <a:ext uri="{909E8E84-426E-40DD-AFC4-6F175D3DCCD1}">
+              <a14:hiddenFill xmlns:a14="http://schemas.microsoft.com/office/drawing/2010/main">
+                <a:solidFill>
+                  <a:schemeClr val="accent1"/>
+                </a:solidFill>
+              </a14:hiddenFill>
+            </a:ext>
+            <a:ext uri="{91240B29-F687-4F45-9708-019B960494DF}">
+              <a14:hiddenLine xmlns:a14="http://schemas.microsoft.com/office/drawing/2010/main" w="9525">
+                <a:solidFill>
+                  <a:schemeClr val="tx1"/>
+                </a:solidFill>
+                <a:miter lim="800000"/>
+                <a:headEnd/>
+                <a:tailEnd/>
+              </a14:hiddenLine>
+            </a:ext>
+          </a:extLst>
+        </p:spPr>
+      </p:pic>
     </p:spTree>
     <p:extLst>
       <p:ext uri="{BB962C8B-B14F-4D97-AF65-F5344CB8AC3E}">
@@ -44087,6 +45035,214 @@
           </a:p>
         </p:txBody>
       </p:sp>
+      <p:pic>
+        <p:nvPicPr>
+          <p:cNvPr id="6146" name="Picture 2"/>
+          <p:cNvPicPr>
+            <a:picLocks noChangeAspect="1" noChangeArrowheads="1"/>
+          </p:cNvPicPr>
+          <p:nvPr/>
+        </p:nvPicPr>
+        <p:blipFill>
+          <a:blip r:embed="rId2">
+            <a:extLst>
+              <a:ext uri="{28A0092B-C50C-407E-A947-70E740481C1C}">
+                <a14:useLocalDpi xmlns:a14="http://schemas.microsoft.com/office/drawing/2010/main" val="0"/>
+              </a:ext>
+            </a:extLst>
+          </a:blip>
+          <a:srcRect/>
+          <a:stretch>
+            <a:fillRect/>
+          </a:stretch>
+        </p:blipFill>
+        <p:spPr bwMode="auto">
+          <a:xfrm>
+            <a:off x="1400719" y="1210685"/>
+            <a:ext cx="1900940" cy="918670"/>
+          </a:xfrm>
+          <a:prstGeom prst="rect">
+            <a:avLst/>
+          </a:prstGeom>
+          <a:noFill/>
+          <a:ln>
+            <a:noFill/>
+          </a:ln>
+          <a:extLst>
+            <a:ext uri="{909E8E84-426E-40DD-AFC4-6F175D3DCCD1}">
+              <a14:hiddenFill xmlns:a14="http://schemas.microsoft.com/office/drawing/2010/main">
+                <a:solidFill>
+                  <a:schemeClr val="accent1"/>
+                </a:solidFill>
+              </a14:hiddenFill>
+            </a:ext>
+            <a:ext uri="{91240B29-F687-4F45-9708-019B960494DF}">
+              <a14:hiddenLine xmlns:a14="http://schemas.microsoft.com/office/drawing/2010/main" w="9525">
+                <a:solidFill>
+                  <a:schemeClr val="tx1"/>
+                </a:solidFill>
+                <a:miter lim="800000"/>
+                <a:headEnd/>
+                <a:tailEnd/>
+              </a14:hiddenLine>
+            </a:ext>
+          </a:extLst>
+        </p:spPr>
+      </p:pic>
+      <p:pic>
+        <p:nvPicPr>
+          <p:cNvPr id="6147" name="Picture 3"/>
+          <p:cNvPicPr>
+            <a:picLocks noChangeAspect="1" noChangeArrowheads="1"/>
+          </p:cNvPicPr>
+          <p:nvPr/>
+        </p:nvPicPr>
+        <p:blipFill>
+          <a:blip r:embed="rId3">
+            <a:extLst>
+              <a:ext uri="{28A0092B-C50C-407E-A947-70E740481C1C}">
+                <a14:useLocalDpi xmlns:a14="http://schemas.microsoft.com/office/drawing/2010/main" val="0"/>
+              </a:ext>
+            </a:extLst>
+          </a:blip>
+          <a:srcRect/>
+          <a:stretch>
+            <a:fillRect/>
+          </a:stretch>
+        </p:blipFill>
+        <p:spPr bwMode="auto">
+          <a:xfrm>
+            <a:off x="5695054" y="1216657"/>
+            <a:ext cx="2000633" cy="912698"/>
+          </a:xfrm>
+          <a:prstGeom prst="rect">
+            <a:avLst/>
+          </a:prstGeom>
+          <a:noFill/>
+          <a:ln>
+            <a:noFill/>
+          </a:ln>
+          <a:extLst>
+            <a:ext uri="{909E8E84-426E-40DD-AFC4-6F175D3DCCD1}">
+              <a14:hiddenFill xmlns:a14="http://schemas.microsoft.com/office/drawing/2010/main">
+                <a:solidFill>
+                  <a:schemeClr val="accent1"/>
+                </a:solidFill>
+              </a14:hiddenFill>
+            </a:ext>
+            <a:ext uri="{91240B29-F687-4F45-9708-019B960494DF}">
+              <a14:hiddenLine xmlns:a14="http://schemas.microsoft.com/office/drawing/2010/main" w="9525">
+                <a:solidFill>
+                  <a:schemeClr val="tx1"/>
+                </a:solidFill>
+                <a:miter lim="800000"/>
+                <a:headEnd/>
+                <a:tailEnd/>
+              </a14:hiddenLine>
+            </a:ext>
+          </a:extLst>
+        </p:spPr>
+      </p:pic>
+      <p:sp>
+        <p:nvSpPr>
+          <p:cNvPr id="7" name="右箭头 6"/>
+          <p:cNvSpPr/>
+          <p:nvPr/>
+        </p:nvSpPr>
+        <p:spPr>
+          <a:xfrm>
+            <a:off x="4189969" y="1507530"/>
+            <a:ext cx="656089" cy="324979"/>
+          </a:xfrm>
+          <a:prstGeom prst="rightArrow">
+            <a:avLst/>
+          </a:prstGeom>
+          <a:solidFill>
+            <a:schemeClr val="bg1"/>
+          </a:solidFill>
+          <a:ln>
+            <a:noFill/>
+          </a:ln>
+        </p:spPr>
+        <p:style>
+          <a:lnRef idx="2">
+            <a:schemeClr val="accent1">
+              <a:shade val="50000"/>
+            </a:schemeClr>
+          </a:lnRef>
+          <a:fillRef idx="1">
+            <a:schemeClr val="accent1"/>
+          </a:fillRef>
+          <a:effectRef idx="0">
+            <a:schemeClr val="accent1"/>
+          </a:effectRef>
+          <a:fontRef idx="minor">
+            <a:schemeClr val="lt1"/>
+          </a:fontRef>
+        </p:style>
+        <p:txBody>
+          <a:bodyPr rtlCol="0" anchor="ctr"/>
+          <a:lstStyle/>
+          <a:p>
+            <a:pPr algn="ctr"/>
+            <a:endParaRPr lang="zh-CN" altLang="en-US"/>
+          </a:p>
+        </p:txBody>
+      </p:sp>
+      <p:pic>
+        <p:nvPicPr>
+          <p:cNvPr id="6150" name="Picture 6"/>
+          <p:cNvPicPr>
+            <a:picLocks noChangeAspect="1" noChangeArrowheads="1"/>
+          </p:cNvPicPr>
+          <p:nvPr/>
+        </p:nvPicPr>
+        <p:blipFill>
+          <a:blip r:embed="rId4">
+            <a:extLst>
+              <a:ext uri="{28A0092B-C50C-407E-A947-70E740481C1C}">
+                <a14:useLocalDpi xmlns:a14="http://schemas.microsoft.com/office/drawing/2010/main" val="0"/>
+              </a:ext>
+            </a:extLst>
+          </a:blip>
+          <a:srcRect/>
+          <a:stretch>
+            <a:fillRect/>
+          </a:stretch>
+        </p:blipFill>
+        <p:spPr bwMode="auto">
+          <a:xfrm>
+            <a:off x="1400719" y="3281768"/>
+            <a:ext cx="2096363" cy="1378110"/>
+          </a:xfrm>
+          <a:prstGeom prst="rect">
+            <a:avLst/>
+          </a:prstGeom>
+          <a:noFill/>
+          <a:ln>
+            <a:noFill/>
+          </a:ln>
+          <a:extLst>
+            <a:ext uri="{909E8E84-426E-40DD-AFC4-6F175D3DCCD1}">
+              <a14:hiddenFill xmlns:a14="http://schemas.microsoft.com/office/drawing/2010/main">
+                <a:solidFill>
+                  <a:schemeClr val="accent1"/>
+                </a:solidFill>
+              </a14:hiddenFill>
+            </a:ext>
+            <a:ext uri="{91240B29-F687-4F45-9708-019B960494DF}">
+              <a14:hiddenLine xmlns:a14="http://schemas.microsoft.com/office/drawing/2010/main" w="9525">
+                <a:solidFill>
+                  <a:schemeClr val="tx1"/>
+                </a:solidFill>
+                <a:miter lim="800000"/>
+                <a:headEnd/>
+                <a:tailEnd/>
+              </a14:hiddenLine>
+            </a:ext>
+          </a:extLst>
+        </p:spPr>
+      </p:pic>
     </p:spTree>
     <p:extLst>
       <p:ext uri="{BB962C8B-B14F-4D97-AF65-F5344CB8AC3E}">
@@ -44150,12 +45306,28 @@
           <a:lstStyle/>
           <a:p>
             <a:r>
+              <a:rPr lang="en-US" altLang="zh-CN" sz="2000" dirty="0" smtClean="0">
+                <a:solidFill>
+                  <a:schemeClr val="bg1"/>
+                </a:solidFill>
+              </a:rPr>
+              <a:t>JavaScript</a:t>
+            </a:r>
+            <a:r>
               <a:rPr lang="zh-CN" altLang="en-US" sz="2000" dirty="0" smtClean="0">
                 <a:solidFill>
                   <a:schemeClr val="bg1"/>
                 </a:solidFill>
               </a:rPr>
-              <a:t>注释：</a:t>
+              <a:t>注释</a:t>
+            </a:r>
+            <a:r>
+              <a:rPr lang="zh-CN" altLang="en-US" sz="2000" dirty="0" smtClean="0">
+                <a:solidFill>
+                  <a:schemeClr val="bg1"/>
+                </a:solidFill>
+              </a:rPr>
+              <a:t>：</a:t>
             </a:r>
             <a:endParaRPr lang="en-US" altLang="zh-CN" sz="2000" dirty="0" smtClean="0">
               <a:solidFill>
@@ -44212,8 +45384,8 @@
         </p:nvSpPr>
         <p:spPr>
           <a:xfrm>
-            <a:off x="4199107" y="457200"/>
-            <a:ext cx="4390417" cy="830997"/>
+            <a:off x="4087879" y="478679"/>
+            <a:ext cx="4166269" cy="1200329"/>
           </a:xfrm>
           <a:prstGeom prst="rect">
             <a:avLst/>
@@ -44232,12 +45404,28 @@
               </a:lnSpc>
             </a:pPr>
             <a:r>
+              <a:rPr lang="zh-CN" altLang="en-US" sz="1600" dirty="0" smtClean="0">
+                <a:solidFill>
+                  <a:schemeClr val="bg1"/>
+                </a:solidFill>
+              </a:rPr>
+              <a:t>尽量</a:t>
+            </a:r>
+            <a:r>
+              <a:rPr lang="zh-CN" altLang="en-US" sz="1600" dirty="0" smtClean="0">
+                <a:solidFill>
+                  <a:schemeClr val="bg1"/>
+                </a:solidFill>
+              </a:rPr>
+              <a:t>避免</a:t>
+            </a:r>
+            <a:r>
               <a:rPr lang="zh-CN" altLang="en-US" sz="1600" dirty="0">
                 <a:solidFill>
                   <a:schemeClr val="bg1"/>
                 </a:solidFill>
               </a:rPr>
-              <a:t>避免使用 </a:t>
+              <a:t>使用 </a:t>
             </a:r>
             <a:r>
               <a:rPr lang="en-US" altLang="zh-CN" sz="1600" dirty="0">
@@ -44253,7 +45441,87 @@
                   <a:schemeClr val="bg1"/>
                 </a:solidFill>
               </a:rPr>
-              <a:t>这样的多行注释。有多行注释内容时，使用多个单行注释。</a:t>
+              <a:t>这样</a:t>
+            </a:r>
+            <a:r>
+              <a:rPr lang="zh-CN" altLang="en-US" sz="1600" dirty="0" smtClean="0">
+                <a:solidFill>
+                  <a:schemeClr val="bg1"/>
+                </a:solidFill>
+              </a:rPr>
+              <a:t>的多</a:t>
+            </a:r>
+            <a:r>
+              <a:rPr lang="zh-CN" altLang="en-US" sz="1600" dirty="0">
+                <a:solidFill>
+                  <a:schemeClr val="bg1"/>
+                </a:solidFill>
+              </a:rPr>
+              <a:t>行注释。有多行注释内容时</a:t>
+            </a:r>
+            <a:r>
+              <a:rPr lang="zh-CN" altLang="en-US" sz="1600" dirty="0" smtClean="0">
+                <a:solidFill>
+                  <a:schemeClr val="bg1"/>
+                </a:solidFill>
+              </a:rPr>
+              <a:t>，可以使用</a:t>
+            </a:r>
+            <a:r>
+              <a:rPr lang="zh-CN" altLang="en-US" sz="1600" dirty="0">
+                <a:solidFill>
+                  <a:schemeClr val="bg1"/>
+                </a:solidFill>
+              </a:rPr>
+              <a:t>多个单行注释</a:t>
+            </a:r>
+            <a:r>
+              <a:rPr lang="zh-CN" altLang="en-US" sz="1600" dirty="0" smtClean="0">
+                <a:solidFill>
+                  <a:schemeClr val="bg1"/>
+                </a:solidFill>
+              </a:rPr>
+              <a:t>。</a:t>
+            </a:r>
+            <a:r>
+              <a:rPr lang="zh-CN" altLang="en-US" sz="1600" dirty="0" smtClean="0">
+                <a:solidFill>
+                  <a:schemeClr val="bg1"/>
+                </a:solidFill>
+              </a:rPr>
+              <a:t>尽量避免将</a:t>
+            </a:r>
+            <a:r>
+              <a:rPr lang="en-US" altLang="zh-CN" sz="1600" dirty="0" smtClean="0">
+                <a:solidFill>
+                  <a:schemeClr val="bg1"/>
+                </a:solidFill>
+              </a:rPr>
+              <a:t>java</a:t>
+            </a:r>
+            <a:r>
+              <a:rPr lang="zh-CN" altLang="en-US" sz="1600" dirty="0" smtClean="0">
+                <a:solidFill>
+                  <a:schemeClr val="bg1"/>
+                </a:solidFill>
+              </a:rPr>
+              <a:t>文档注释用在</a:t>
+            </a:r>
+            <a:r>
+              <a:rPr lang="en-US" altLang="zh-CN" sz="1600" dirty="0" smtClean="0">
+                <a:solidFill>
+                  <a:schemeClr val="bg1"/>
+                </a:solidFill>
+              </a:rPr>
+              <a:t>JavaScript</a:t>
+            </a:r>
+            <a:r>
+              <a:rPr lang="zh-CN" altLang="en-US" sz="1600" dirty="0" smtClean="0">
+                <a:solidFill>
+                  <a:schemeClr val="bg1"/>
+                </a:solidFill>
+              </a:rPr>
+              <a:t>上</a:t>
             </a:r>
             <a:endParaRPr lang="en-US" altLang="zh-CN" sz="1600" dirty="0" smtClean="0">
               <a:solidFill>
@@ -44263,6 +45531,183 @@
           </a:p>
         </p:txBody>
       </p:sp>
+      <p:sp>
+        <p:nvSpPr>
+          <p:cNvPr id="2" name="矩形 1"/>
+          <p:cNvSpPr/>
+          <p:nvPr/>
+        </p:nvSpPr>
+        <p:spPr>
+          <a:xfrm>
+            <a:off x="1189575" y="4588040"/>
+            <a:ext cx="5586914" cy="300082"/>
+          </a:xfrm>
+          <a:prstGeom prst="rect">
+            <a:avLst/>
+          </a:prstGeom>
+        </p:spPr>
+        <p:txBody>
+          <a:bodyPr wrap="none">
+            <a:spAutoFit/>
+          </a:bodyPr>
+          <a:lstStyle/>
+          <a:p>
+            <a:r>
+              <a:rPr lang="en-US" altLang="zh-CN" dirty="0">
+                <a:solidFill>
+                  <a:schemeClr val="bg1"/>
+                </a:solidFill>
+              </a:rPr>
+              <a:t>w</a:t>
+            </a:r>
+            <a:r>
+              <a:rPr lang="en-US" altLang="zh-CN" dirty="0" smtClean="0">
+                <a:solidFill>
+                  <a:schemeClr val="bg1"/>
+                </a:solidFill>
+              </a:rPr>
+              <a:t>3c</a:t>
+            </a:r>
+            <a:r>
+              <a:rPr lang="zh-CN" altLang="en-US" dirty="0" smtClean="0">
+                <a:solidFill>
+                  <a:schemeClr val="bg1"/>
+                </a:solidFill>
+              </a:rPr>
+              <a:t>文档注释规范地址：</a:t>
+            </a:r>
+            <a:r>
+              <a:rPr lang="en-US" altLang="zh-CN" dirty="0" smtClean="0">
+                <a:solidFill>
+                  <a:schemeClr val="bg1"/>
+                </a:solidFill>
+              </a:rPr>
+              <a:t>http</a:t>
+            </a:r>
+            <a:r>
+              <a:rPr lang="en-US" altLang="zh-CN" dirty="0">
+                <a:solidFill>
+                  <a:schemeClr val="bg1"/>
+                </a:solidFill>
+              </a:rPr>
+              <a:t>://www.w3school.com.cn/js/js_comments.asp</a:t>
+            </a:r>
+            <a:endParaRPr lang="zh-CN" altLang="en-US" dirty="0">
+              <a:solidFill>
+                <a:schemeClr val="bg1"/>
+              </a:solidFill>
+            </a:endParaRPr>
+          </a:p>
+        </p:txBody>
+      </p:sp>
+      <p:pic>
+        <p:nvPicPr>
+          <p:cNvPr id="5122" name="Picture 2"/>
+          <p:cNvPicPr>
+            <a:picLocks noChangeAspect="1" noChangeArrowheads="1"/>
+          </p:cNvPicPr>
+          <p:nvPr/>
+        </p:nvPicPr>
+        <p:blipFill>
+          <a:blip r:embed="rId2">
+            <a:extLst>
+              <a:ext uri="{28A0092B-C50C-407E-A947-70E740481C1C}">
+                <a14:useLocalDpi xmlns:a14="http://schemas.microsoft.com/office/drawing/2010/main" val="0"/>
+              </a:ext>
+            </a:extLst>
+          </a:blip>
+          <a:srcRect/>
+          <a:stretch>
+            <a:fillRect/>
+          </a:stretch>
+        </p:blipFill>
+        <p:spPr bwMode="auto">
+          <a:xfrm>
+            <a:off x="1999647" y="1910432"/>
+            <a:ext cx="1424752" cy="1753541"/>
+          </a:xfrm>
+          <a:prstGeom prst="rect">
+            <a:avLst/>
+          </a:prstGeom>
+          <a:noFill/>
+          <a:ln>
+            <a:noFill/>
+          </a:ln>
+          <a:extLst>
+            <a:ext uri="{909E8E84-426E-40DD-AFC4-6F175D3DCCD1}">
+              <a14:hiddenFill xmlns:a14="http://schemas.microsoft.com/office/drawing/2010/main">
+                <a:solidFill>
+                  <a:schemeClr val="accent1"/>
+                </a:solidFill>
+              </a14:hiddenFill>
+            </a:ext>
+            <a:ext uri="{91240B29-F687-4F45-9708-019B960494DF}">
+              <a14:hiddenLine xmlns:a14="http://schemas.microsoft.com/office/drawing/2010/main" w="9525">
+                <a:solidFill>
+                  <a:schemeClr val="tx1"/>
+                </a:solidFill>
+                <a:miter lim="800000"/>
+                <a:headEnd/>
+                <a:tailEnd/>
+              </a14:hiddenLine>
+            </a:ext>
+          </a:extLst>
+        </p:spPr>
+      </p:pic>
+      <p:pic>
+        <p:nvPicPr>
+          <p:cNvPr id="5123" name="Picture 3"/>
+          <p:cNvPicPr>
+            <a:picLocks noChangeAspect="1" noChangeArrowheads="1"/>
+          </p:cNvPicPr>
+          <p:nvPr/>
+        </p:nvPicPr>
+        <p:blipFill>
+          <a:blip r:embed="rId3">
+            <a:extLst>
+              <a:ext uri="{28A0092B-C50C-407E-A947-70E740481C1C}">
+                <a14:useLocalDpi xmlns:a14="http://schemas.microsoft.com/office/drawing/2010/main" val="0"/>
+              </a:ext>
+            </a:extLst>
+          </a:blip>
+          <a:srcRect/>
+          <a:stretch>
+            <a:fillRect/>
+          </a:stretch>
+        </p:blipFill>
+        <p:spPr bwMode="auto">
+          <a:xfrm>
+            <a:off x="5656037" y="2282890"/>
+            <a:ext cx="1437124" cy="1008624"/>
+          </a:xfrm>
+          <a:prstGeom prst="rect">
+            <a:avLst/>
+          </a:prstGeom>
+          <a:noFill/>
+          <a:ln>
+            <a:noFill/>
+          </a:ln>
+          <a:extLst>
+            <a:ext uri="{909E8E84-426E-40DD-AFC4-6F175D3DCCD1}">
+              <a14:hiddenFill xmlns:a14="http://schemas.microsoft.com/office/drawing/2010/main">
+                <a:solidFill>
+                  <a:schemeClr val="accent1"/>
+                </a:solidFill>
+              </a14:hiddenFill>
+            </a:ext>
+            <a:ext uri="{91240B29-F687-4F45-9708-019B960494DF}">
+              <a14:hiddenLine xmlns:a14="http://schemas.microsoft.com/office/drawing/2010/main" w="9525">
+                <a:solidFill>
+                  <a:schemeClr val="tx1"/>
+                </a:solidFill>
+                <a:miter lim="800000"/>
+                <a:headEnd/>
+                <a:tailEnd/>
+              </a14:hiddenLine>
+            </a:ext>
+          </a:extLst>
+        </p:spPr>
+      </p:pic>
     </p:spTree>
     <p:extLst>
       <p:ext uri="{BB962C8B-B14F-4D97-AF65-F5344CB8AC3E}">
@@ -44359,7 +45804,7 @@
         </p:nvSpPr>
         <p:spPr bwMode="auto">
           <a:xfrm>
-            <a:off x="5865779" y="2282890"/>
+            <a:off x="5565070" y="2291494"/>
             <a:ext cx="304800" cy="304800"/>
           </a:xfrm>
           <a:prstGeom prst="rect">
@@ -44385,6 +45830,295 @@
           <a:lstStyle/>
           <a:p>
             <a:endParaRPr lang="zh-CN" altLang="en-US"/>
+          </a:p>
+        </p:txBody>
+      </p:sp>
+      <p:pic>
+        <p:nvPicPr>
+          <p:cNvPr id="4099" name="Picture 3"/>
+          <p:cNvPicPr>
+            <a:picLocks noChangeAspect="1" noChangeArrowheads="1"/>
+          </p:cNvPicPr>
+          <p:nvPr/>
+        </p:nvPicPr>
+        <p:blipFill>
+          <a:blip r:embed="rId2">
+            <a:extLst>
+              <a:ext uri="{28A0092B-C50C-407E-A947-70E740481C1C}">
+                <a14:useLocalDpi xmlns:a14="http://schemas.microsoft.com/office/drawing/2010/main" val="0"/>
+              </a:ext>
+            </a:extLst>
+          </a:blip>
+          <a:srcRect/>
+          <a:stretch>
+            <a:fillRect/>
+          </a:stretch>
+        </p:blipFill>
+        <p:spPr bwMode="auto">
+          <a:xfrm>
+            <a:off x="5473839" y="2020692"/>
+            <a:ext cx="2283219" cy="1151203"/>
+          </a:xfrm>
+          <a:prstGeom prst="rect">
+            <a:avLst/>
+          </a:prstGeom>
+          <a:noFill/>
+          <a:ln>
+            <a:noFill/>
+          </a:ln>
+          <a:extLst>
+            <a:ext uri="{909E8E84-426E-40DD-AFC4-6F175D3DCCD1}">
+              <a14:hiddenFill xmlns:a14="http://schemas.microsoft.com/office/drawing/2010/main">
+                <a:solidFill>
+                  <a:schemeClr val="accent1"/>
+                </a:solidFill>
+              </a14:hiddenFill>
+            </a:ext>
+            <a:ext uri="{91240B29-F687-4F45-9708-019B960494DF}">
+              <a14:hiddenLine xmlns:a14="http://schemas.microsoft.com/office/drawing/2010/main" w="9525">
+                <a:solidFill>
+                  <a:schemeClr val="tx1"/>
+                </a:solidFill>
+                <a:miter lim="800000"/>
+                <a:headEnd/>
+                <a:tailEnd/>
+              </a14:hiddenLine>
+            </a:ext>
+          </a:extLst>
+        </p:spPr>
+      </p:pic>
+      <p:pic>
+        <p:nvPicPr>
+          <p:cNvPr id="4101" name="Picture 5"/>
+          <p:cNvPicPr>
+            <a:picLocks noChangeAspect="1" noChangeArrowheads="1"/>
+          </p:cNvPicPr>
+          <p:nvPr/>
+        </p:nvPicPr>
+        <p:blipFill>
+          <a:blip r:embed="rId3">
+            <a:extLst>
+              <a:ext uri="{28A0092B-C50C-407E-A947-70E740481C1C}">
+                <a14:useLocalDpi xmlns:a14="http://schemas.microsoft.com/office/drawing/2010/main" val="0"/>
+              </a:ext>
+            </a:extLst>
+          </a:blip>
+          <a:srcRect/>
+          <a:stretch>
+            <a:fillRect/>
+          </a:stretch>
+        </p:blipFill>
+        <p:spPr bwMode="auto">
+          <a:xfrm>
+            <a:off x="1070188" y="2020692"/>
+            <a:ext cx="2201754" cy="1151203"/>
+          </a:xfrm>
+          <a:prstGeom prst="rect">
+            <a:avLst/>
+          </a:prstGeom>
+          <a:noFill/>
+          <a:ln>
+            <a:noFill/>
+          </a:ln>
+          <a:extLst>
+            <a:ext uri="{909E8E84-426E-40DD-AFC4-6F175D3DCCD1}">
+              <a14:hiddenFill xmlns:a14="http://schemas.microsoft.com/office/drawing/2010/main">
+                <a:solidFill>
+                  <a:schemeClr val="accent1"/>
+                </a:solidFill>
+              </a14:hiddenFill>
+            </a:ext>
+            <a:ext uri="{91240B29-F687-4F45-9708-019B960494DF}">
+              <a14:hiddenLine xmlns:a14="http://schemas.microsoft.com/office/drawing/2010/main" w="9525">
+                <a:solidFill>
+                  <a:schemeClr val="tx1"/>
+                </a:solidFill>
+                <a:miter lim="800000"/>
+                <a:headEnd/>
+                <a:tailEnd/>
+              </a14:hiddenLine>
+            </a:ext>
+          </a:extLst>
+        </p:spPr>
+      </p:pic>
+      <p:sp>
+        <p:nvSpPr>
+          <p:cNvPr id="9" name="文本框 9"/>
+          <p:cNvSpPr txBox="1"/>
+          <p:nvPr/>
+        </p:nvSpPr>
+        <p:spPr>
+          <a:xfrm>
+            <a:off x="879943" y="947129"/>
+            <a:ext cx="2808341" cy="830997"/>
+          </a:xfrm>
+          <a:prstGeom prst="rect">
+            <a:avLst/>
+          </a:prstGeom>
+          <a:noFill/>
+        </p:spPr>
+        <p:txBody>
+          <a:bodyPr wrap="square" rtlCol="0">
+            <a:spAutoFit/>
+          </a:bodyPr>
+          <a:lstStyle/>
+          <a:p>
+            <a:pPr>
+              <a:lnSpc>
+                <a:spcPct val="150000"/>
+              </a:lnSpc>
+            </a:pPr>
+            <a:r>
+              <a:rPr lang="zh-CN" altLang="en-US" sz="1600" dirty="0">
+                <a:solidFill>
+                  <a:schemeClr val="bg1"/>
+                </a:solidFill>
+              </a:rPr>
+              <a:t>作用域内使用</a:t>
+            </a:r>
+            <a:r>
+              <a:rPr lang="en-US" altLang="zh-CN" sz="1600" dirty="0" err="1">
+                <a:solidFill>
+                  <a:schemeClr val="bg1"/>
+                </a:solidFill>
+              </a:rPr>
+              <a:t>var</a:t>
+            </a:r>
+            <a:r>
+              <a:rPr lang="zh-CN" altLang="en-US" sz="1600" dirty="0">
+                <a:solidFill>
+                  <a:schemeClr val="bg1"/>
+                </a:solidFill>
+              </a:rPr>
+              <a:t>声明变量的</a:t>
+            </a:r>
+            <a:r>
+              <a:rPr lang="en-US" altLang="zh-CN" sz="1600" dirty="0" err="1">
+                <a:solidFill>
+                  <a:schemeClr val="bg1"/>
+                </a:solidFill>
+              </a:rPr>
+              <a:t>i</a:t>
+            </a:r>
+            <a:r>
+              <a:rPr lang="zh-CN" altLang="en-US" sz="1600" dirty="0">
+                <a:solidFill>
+                  <a:schemeClr val="bg1"/>
+                </a:solidFill>
+              </a:rPr>
+              <a:t>会影响到作用域外面的</a:t>
+            </a:r>
+            <a:r>
+              <a:rPr lang="en-US" altLang="zh-CN" sz="1600" dirty="0" err="1">
+                <a:solidFill>
+                  <a:schemeClr val="bg1"/>
+                </a:solidFill>
+              </a:rPr>
+              <a:t>i</a:t>
+            </a:r>
+            <a:r>
+              <a:rPr lang="zh-CN" altLang="en-US" sz="1600" dirty="0">
+                <a:solidFill>
+                  <a:schemeClr val="bg1"/>
+                </a:solidFill>
+              </a:rPr>
+              <a:t>变量</a:t>
+            </a:r>
+          </a:p>
+        </p:txBody>
+      </p:sp>
+      <p:sp>
+        <p:nvSpPr>
+          <p:cNvPr id="11" name="文本框 9"/>
+          <p:cNvSpPr txBox="1"/>
+          <p:nvPr/>
+        </p:nvSpPr>
+        <p:spPr>
+          <a:xfrm>
+            <a:off x="5426372" y="947129"/>
+            <a:ext cx="2808341" cy="830997"/>
+          </a:xfrm>
+          <a:prstGeom prst="rect">
+            <a:avLst/>
+          </a:prstGeom>
+          <a:noFill/>
+        </p:spPr>
+        <p:txBody>
+          <a:bodyPr wrap="square" rtlCol="0">
+            <a:spAutoFit/>
+          </a:bodyPr>
+          <a:lstStyle/>
+          <a:p>
+            <a:pPr>
+              <a:lnSpc>
+                <a:spcPct val="150000"/>
+              </a:lnSpc>
+            </a:pPr>
+            <a:r>
+              <a:rPr lang="zh-CN" altLang="en-US" sz="1600" dirty="0" smtClean="0">
+                <a:solidFill>
+                  <a:schemeClr val="bg1"/>
+                </a:solidFill>
+              </a:rPr>
+              <a:t>使用</a:t>
+            </a:r>
+            <a:r>
+              <a:rPr lang="en-US" altLang="zh-CN" sz="1600" dirty="0" err="1" smtClean="0">
+                <a:solidFill>
+                  <a:schemeClr val="bg1"/>
+                </a:solidFill>
+              </a:rPr>
+              <a:t>const</a:t>
+            </a:r>
+            <a:r>
+              <a:rPr lang="zh-CN" altLang="en-US" sz="1600" dirty="0" smtClean="0">
+                <a:solidFill>
+                  <a:schemeClr val="bg1"/>
+                </a:solidFill>
+              </a:rPr>
+              <a:t>声明全局常量</a:t>
+            </a:r>
+            <a:endParaRPr lang="en-US" altLang="zh-CN" sz="1600" dirty="0" smtClean="0">
+              <a:solidFill>
+                <a:schemeClr val="bg1"/>
+              </a:solidFill>
+            </a:endParaRPr>
+          </a:p>
+          <a:p>
+            <a:pPr>
+              <a:lnSpc>
+                <a:spcPct val="150000"/>
+              </a:lnSpc>
+            </a:pPr>
+            <a:r>
+              <a:rPr lang="zh-CN" altLang="en-US" sz="1600" dirty="0" smtClean="0">
+                <a:solidFill>
+                  <a:schemeClr val="bg1"/>
+                </a:solidFill>
+              </a:rPr>
+              <a:t>使用</a:t>
+            </a:r>
+            <a:r>
+              <a:rPr lang="en-US" altLang="zh-CN" sz="1600" dirty="0" smtClean="0">
+                <a:solidFill>
+                  <a:schemeClr val="bg1"/>
+                </a:solidFill>
+              </a:rPr>
+              <a:t>let</a:t>
+            </a:r>
+            <a:r>
+              <a:rPr lang="zh-CN" altLang="en-US" sz="1600" dirty="0" smtClean="0">
+                <a:solidFill>
+                  <a:schemeClr val="bg1"/>
+                </a:solidFill>
+              </a:rPr>
+              <a:t>声明作用域内变量</a:t>
+            </a:r>
+            <a:endParaRPr lang="zh-CN" altLang="en-US" sz="1600" dirty="0">
+              <a:solidFill>
+                <a:schemeClr val="bg1"/>
+              </a:solidFill>
+            </a:endParaRPr>
           </a:p>
         </p:txBody>
       </p:sp>
@@ -44459,11 +46193,6 @@
               </a:rPr>
               <a:t>一、文件规范</a:t>
             </a:r>
-            <a:endParaRPr lang="zh-CN" altLang="en-US" sz="3600" dirty="0">
-              <a:solidFill>
-                <a:schemeClr val="bg1"/>
-              </a:solidFill>
-            </a:endParaRPr>
           </a:p>
         </p:txBody>
       </p:sp>
@@ -44737,6 +46466,103 @@
           <a:lstStyle/>
           <a:p>
             <a:endParaRPr lang="zh-CN" altLang="en-US"/>
+          </a:p>
+        </p:txBody>
+      </p:sp>
+      <p:pic>
+        <p:nvPicPr>
+          <p:cNvPr id="8194" name="Picture 2"/>
+          <p:cNvPicPr>
+            <a:picLocks noChangeAspect="1" noChangeArrowheads="1"/>
+          </p:cNvPicPr>
+          <p:nvPr/>
+        </p:nvPicPr>
+        <p:blipFill>
+          <a:blip r:embed="rId2">
+            <a:extLst>
+              <a:ext uri="{28A0092B-C50C-407E-A947-70E740481C1C}">
+                <a14:useLocalDpi xmlns:a14="http://schemas.microsoft.com/office/drawing/2010/main" val="0"/>
+              </a:ext>
+            </a:extLst>
+          </a:blip>
+          <a:srcRect/>
+          <a:stretch>
+            <a:fillRect/>
+          </a:stretch>
+        </p:blipFill>
+        <p:spPr bwMode="auto">
+          <a:xfrm>
+            <a:off x="4149109" y="657255"/>
+            <a:ext cx="3909972" cy="4049988"/>
+          </a:xfrm>
+          <a:prstGeom prst="rect">
+            <a:avLst/>
+          </a:prstGeom>
+          <a:noFill/>
+          <a:ln>
+            <a:noFill/>
+          </a:ln>
+          <a:extLst>
+            <a:ext uri="{909E8E84-426E-40DD-AFC4-6F175D3DCCD1}">
+              <a14:hiddenFill xmlns:a14="http://schemas.microsoft.com/office/drawing/2010/main">
+                <a:solidFill>
+                  <a:schemeClr val="accent1"/>
+                </a:solidFill>
+              </a14:hiddenFill>
+            </a:ext>
+            <a:ext uri="{91240B29-F687-4F45-9708-019B960494DF}">
+              <a14:hiddenLine xmlns:a14="http://schemas.microsoft.com/office/drawing/2010/main" w="9525">
+                <a:solidFill>
+                  <a:schemeClr val="tx1"/>
+                </a:solidFill>
+                <a:miter lim="800000"/>
+                <a:headEnd/>
+                <a:tailEnd/>
+              </a14:hiddenLine>
+            </a:ext>
+          </a:extLst>
+        </p:spPr>
+      </p:pic>
+      <p:sp>
+        <p:nvSpPr>
+          <p:cNvPr id="5" name="文本框 9"/>
+          <p:cNvSpPr txBox="1"/>
+          <p:nvPr/>
+        </p:nvSpPr>
+        <p:spPr>
+          <a:xfrm>
+            <a:off x="547904" y="1665149"/>
+            <a:ext cx="3422679" cy="1477328"/>
+          </a:xfrm>
+          <a:prstGeom prst="rect">
+            <a:avLst/>
+          </a:prstGeom>
+          <a:noFill/>
+        </p:spPr>
+        <p:txBody>
+          <a:bodyPr wrap="square" rtlCol="0">
+            <a:spAutoFit/>
+          </a:bodyPr>
+          <a:lstStyle/>
+          <a:p>
+            <a:pPr>
+              <a:lnSpc>
+                <a:spcPct val="150000"/>
+              </a:lnSpc>
+            </a:pPr>
+            <a:r>
+              <a:rPr lang="zh-CN" altLang="en-US" sz="2000" dirty="0" smtClean="0">
+                <a:solidFill>
+                  <a:schemeClr val="bg1"/>
+                </a:solidFill>
+              </a:rPr>
+              <a:t>将用户名、密码、手机号、日期等内容的校验移至前端，可减少请求</a:t>
+            </a:r>
+            <a:endParaRPr lang="en-US" altLang="zh-CN" sz="2000" dirty="0" smtClean="0">
+              <a:solidFill>
+                <a:schemeClr val="bg1"/>
+              </a:solidFill>
+            </a:endParaRPr>
           </a:p>
         </p:txBody>
       </p:sp>
@@ -45719,6 +47545,16 @@
           <a:lstStyle/>
           <a:p>
             <a:r>
+              <a:rPr lang="zh-CN" altLang="en-US" sz="2000" dirty="0" smtClean="0">
+                <a:solidFill>
+                  <a:schemeClr val="bg1"/>
+                </a:solidFill>
+                <a:latin typeface="微软雅黑 Light" panose="020B0502040204020203" pitchFamily="34" charset="-122"/>
+                <a:ea typeface="微软雅黑 Light" panose="020B0502040204020203" pitchFamily="34" charset="-122"/>
+              </a:rPr>
+              <a:t>标签</a:t>
+            </a:r>
+            <a:r>
               <a:rPr lang="zh-CN" altLang="en-US" sz="2000" dirty="0">
                 <a:solidFill>
                   <a:schemeClr val="bg1"/>
@@ -45726,7 +47562,7 @@
                 <a:latin typeface="微软雅黑 Light" panose="020B0502040204020203" pitchFamily="34" charset="-122"/>
                 <a:ea typeface="微软雅黑 Light" panose="020B0502040204020203" pitchFamily="34" charset="-122"/>
               </a:rPr>
-              <a:t>代码缩进、标签语义化、正确的文档类型（</a:t>
+              <a:t>语义化、正确的文档类型（</a:t>
             </a:r>
             <a:r>
               <a:rPr lang="en-US" altLang="zh-CN" sz="2000" dirty="0" err="1">
@@ -45804,6 +47640,326 @@
           </a:p>
         </p:txBody>
       </p:sp>
+      <p:sp>
+        <p:nvSpPr>
+          <p:cNvPr id="5" name="文本框 9"/>
+          <p:cNvSpPr txBox="1"/>
+          <p:nvPr/>
+        </p:nvSpPr>
+        <p:spPr>
+          <a:xfrm>
+            <a:off x="707464" y="1246169"/>
+            <a:ext cx="6352162" cy="2308324"/>
+          </a:xfrm>
+          <a:prstGeom prst="rect">
+            <a:avLst/>
+          </a:prstGeom>
+          <a:noFill/>
+        </p:spPr>
+        <p:txBody>
+          <a:bodyPr wrap="square" rtlCol="0">
+            <a:spAutoFit/>
+          </a:bodyPr>
+          <a:lstStyle/>
+          <a:p>
+            <a:pPr>
+              <a:lnSpc>
+                <a:spcPct val="150000"/>
+              </a:lnSpc>
+            </a:pPr>
+            <a:r>
+              <a:rPr lang="en-US" altLang="zh-CN" sz="1600" dirty="0">
+                <a:solidFill>
+                  <a:schemeClr val="bg1"/>
+                </a:solidFill>
+                <a:latin typeface="微软雅黑 Light" panose="020B0502040204020203" pitchFamily="34" charset="-122"/>
+                <a:ea typeface="微软雅黑 Light" panose="020B0502040204020203" pitchFamily="34" charset="-122"/>
+              </a:rPr>
+              <a:t>&lt;</a:t>
+            </a:r>
+            <a:r>
+              <a:rPr lang="en-US" altLang="zh-CN" sz="1600" dirty="0" err="1">
+                <a:solidFill>
+                  <a:schemeClr val="bg1"/>
+                </a:solidFill>
+                <a:latin typeface="微软雅黑 Light" panose="020B0502040204020203" pitchFamily="34" charset="-122"/>
+                <a:ea typeface="微软雅黑 Light" panose="020B0502040204020203" pitchFamily="34" charset="-122"/>
+              </a:rPr>
+              <a:t>hn</a:t>
+            </a:r>
+            <a:r>
+              <a:rPr lang="en-US" altLang="zh-CN" sz="1600" dirty="0">
+                <a:solidFill>
+                  <a:schemeClr val="bg1"/>
+                </a:solidFill>
+                <a:latin typeface="微软雅黑 Light" panose="020B0502040204020203" pitchFamily="34" charset="-122"/>
+                <a:ea typeface="微软雅黑 Light" panose="020B0502040204020203" pitchFamily="34" charset="-122"/>
+              </a:rPr>
+              <a:t>&gt;</a:t>
+            </a:r>
+            <a:r>
+              <a:rPr lang="zh-CN" altLang="en-US" sz="1600" dirty="0">
+                <a:solidFill>
+                  <a:schemeClr val="bg1"/>
+                </a:solidFill>
+                <a:latin typeface="微软雅黑 Light" panose="020B0502040204020203" pitchFamily="34" charset="-122"/>
+                <a:ea typeface="微软雅黑 Light" panose="020B0502040204020203" pitchFamily="34" charset="-122"/>
+              </a:rPr>
+              <a:t>：</a:t>
+            </a:r>
+            <a:r>
+              <a:rPr lang="en-US" altLang="zh-CN" sz="1600" dirty="0" smtClean="0">
+                <a:solidFill>
+                  <a:schemeClr val="bg1"/>
+                </a:solidFill>
+                <a:latin typeface="微软雅黑 Light" panose="020B0502040204020203" pitchFamily="34" charset="-122"/>
+                <a:ea typeface="微软雅黑 Light" panose="020B0502040204020203" pitchFamily="34" charset="-122"/>
+              </a:rPr>
+              <a:t>h1-h6</a:t>
+            </a:r>
+            <a:r>
+              <a:rPr lang="zh-CN" altLang="en-US" sz="1600" dirty="0">
+                <a:solidFill>
+                  <a:schemeClr val="bg1"/>
+                </a:solidFill>
+                <a:latin typeface="微软雅黑 Light" panose="020B0502040204020203" pitchFamily="34" charset="-122"/>
+                <a:ea typeface="微软雅黑 Light" panose="020B0502040204020203" pitchFamily="34" charset="-122"/>
+              </a:rPr>
+              <a:t>，分级</a:t>
+            </a:r>
+            <a:r>
+              <a:rPr lang="zh-CN" altLang="en-US" sz="1600" dirty="0" smtClean="0">
+                <a:solidFill>
+                  <a:schemeClr val="bg1"/>
+                </a:solidFill>
+                <a:latin typeface="微软雅黑 Light" panose="020B0502040204020203" pitchFamily="34" charset="-122"/>
+                <a:ea typeface="微软雅黑 Light" panose="020B0502040204020203" pitchFamily="34" charset="-122"/>
+              </a:rPr>
+              <a:t>标题</a:t>
+            </a:r>
+            <a:endParaRPr lang="en-US" altLang="zh-CN" sz="1600" dirty="0" smtClean="0">
+              <a:solidFill>
+                <a:schemeClr val="bg1"/>
+              </a:solidFill>
+              <a:latin typeface="微软雅黑 Light" panose="020B0502040204020203" pitchFamily="34" charset="-122"/>
+              <a:ea typeface="微软雅黑 Light" panose="020B0502040204020203" pitchFamily="34" charset="-122"/>
+            </a:endParaRPr>
+          </a:p>
+          <a:p>
+            <a:pPr>
+              <a:lnSpc>
+                <a:spcPct val="150000"/>
+              </a:lnSpc>
+            </a:pPr>
+            <a:r>
+              <a:rPr lang="en-US" altLang="zh-CN" sz="1600" dirty="0">
+                <a:solidFill>
+                  <a:schemeClr val="bg1"/>
+                </a:solidFill>
+                <a:latin typeface="微软雅黑 Light" panose="020B0502040204020203" pitchFamily="34" charset="-122"/>
+                <a:ea typeface="微软雅黑 Light" panose="020B0502040204020203" pitchFamily="34" charset="-122"/>
+              </a:rPr>
+              <a:t>&lt;header&gt;</a:t>
+            </a:r>
+            <a:r>
+              <a:rPr lang="zh-CN" altLang="en-US" sz="1600" dirty="0" smtClean="0">
+                <a:solidFill>
+                  <a:schemeClr val="bg1"/>
+                </a:solidFill>
+                <a:latin typeface="微软雅黑 Light" panose="020B0502040204020203" pitchFamily="34" charset="-122"/>
+                <a:ea typeface="微软雅黑 Light" panose="020B0502040204020203" pitchFamily="34" charset="-122"/>
+              </a:rPr>
+              <a:t>：</a:t>
+            </a:r>
+            <a:r>
+              <a:rPr lang="en-US" altLang="zh-CN" sz="1600" dirty="0" smtClean="0">
+                <a:solidFill>
+                  <a:schemeClr val="bg1"/>
+                </a:solidFill>
+                <a:latin typeface="微软雅黑 Light" panose="020B0502040204020203" pitchFamily="34" charset="-122"/>
+                <a:ea typeface="微软雅黑 Light" panose="020B0502040204020203" pitchFamily="34" charset="-122"/>
+              </a:rPr>
+              <a:t>logo</a:t>
+            </a:r>
+            <a:r>
+              <a:rPr lang="zh-CN" altLang="en-US" sz="1600" dirty="0" smtClean="0">
+                <a:solidFill>
+                  <a:schemeClr val="bg1"/>
+                </a:solidFill>
+                <a:latin typeface="微软雅黑 Light" panose="020B0502040204020203" pitchFamily="34" charset="-122"/>
+                <a:ea typeface="微软雅黑 Light" panose="020B0502040204020203" pitchFamily="34" charset="-122"/>
+              </a:rPr>
+              <a:t>、导航栏、</a:t>
+            </a:r>
+            <a:r>
+              <a:rPr lang="zh-CN" altLang="en-US" sz="1600" dirty="0">
+                <a:solidFill>
+                  <a:schemeClr val="bg1"/>
+                </a:solidFill>
+                <a:latin typeface="微软雅黑 Light" panose="020B0502040204020203" pitchFamily="34" charset="-122"/>
+                <a:ea typeface="微软雅黑 Light" panose="020B0502040204020203" pitchFamily="34" charset="-122"/>
+              </a:rPr>
+              <a:t>全站链接以及搜索</a:t>
+            </a:r>
+            <a:r>
+              <a:rPr lang="zh-CN" altLang="en-US" sz="1600" dirty="0" smtClean="0">
+                <a:solidFill>
+                  <a:schemeClr val="bg1"/>
+                </a:solidFill>
+                <a:latin typeface="微软雅黑 Light" panose="020B0502040204020203" pitchFamily="34" charset="-122"/>
+                <a:ea typeface="微软雅黑 Light" panose="020B0502040204020203" pitchFamily="34" charset="-122"/>
+              </a:rPr>
+              <a:t>框</a:t>
+            </a:r>
+            <a:endParaRPr lang="en-US" altLang="zh-CN" sz="1600" dirty="0" smtClean="0">
+              <a:solidFill>
+                <a:schemeClr val="bg1"/>
+              </a:solidFill>
+              <a:latin typeface="微软雅黑 Light" panose="020B0502040204020203" pitchFamily="34" charset="-122"/>
+              <a:ea typeface="微软雅黑 Light" panose="020B0502040204020203" pitchFamily="34" charset="-122"/>
+            </a:endParaRPr>
+          </a:p>
+          <a:p>
+            <a:pPr>
+              <a:lnSpc>
+                <a:spcPct val="150000"/>
+              </a:lnSpc>
+            </a:pPr>
+            <a:r>
+              <a:rPr lang="en-US" altLang="zh-CN" sz="1600" dirty="0">
+                <a:solidFill>
+                  <a:schemeClr val="bg1"/>
+                </a:solidFill>
+                <a:latin typeface="微软雅黑 Light" panose="020B0502040204020203" pitchFamily="34" charset="-122"/>
+                <a:ea typeface="微软雅黑 Light" panose="020B0502040204020203" pitchFamily="34" charset="-122"/>
+              </a:rPr>
+              <a:t>&lt;aside&gt;</a:t>
+            </a:r>
+            <a:r>
+              <a:rPr lang="zh-CN" altLang="en-US" sz="1600" dirty="0" smtClean="0">
+                <a:solidFill>
+                  <a:schemeClr val="bg1"/>
+                </a:solidFill>
+                <a:latin typeface="微软雅黑 Light" panose="020B0502040204020203" pitchFamily="34" charset="-122"/>
+                <a:ea typeface="微软雅黑 Light" panose="020B0502040204020203" pitchFamily="34" charset="-122"/>
+              </a:rPr>
+              <a:t>：侧边栏</a:t>
+            </a:r>
+            <a:endParaRPr lang="en-US" altLang="zh-CN" sz="1600" dirty="0" smtClean="0">
+              <a:solidFill>
+                <a:schemeClr val="bg1"/>
+              </a:solidFill>
+              <a:latin typeface="微软雅黑 Light" panose="020B0502040204020203" pitchFamily="34" charset="-122"/>
+              <a:ea typeface="微软雅黑 Light" panose="020B0502040204020203" pitchFamily="34" charset="-122"/>
+            </a:endParaRPr>
+          </a:p>
+          <a:p>
+            <a:pPr>
+              <a:lnSpc>
+                <a:spcPct val="150000"/>
+              </a:lnSpc>
+            </a:pPr>
+            <a:r>
+              <a:rPr lang="en-US" altLang="zh-CN" sz="1600" dirty="0" smtClean="0">
+                <a:solidFill>
+                  <a:schemeClr val="bg1"/>
+                </a:solidFill>
+                <a:latin typeface="微软雅黑 Light" panose="020B0502040204020203" pitchFamily="34" charset="-122"/>
+                <a:ea typeface="微软雅黑 Light" panose="020B0502040204020203" pitchFamily="34" charset="-122"/>
+              </a:rPr>
+              <a:t>&lt;</a:t>
+            </a:r>
+            <a:r>
+              <a:rPr lang="en-US" altLang="zh-CN" sz="1600" dirty="0">
+                <a:solidFill>
+                  <a:schemeClr val="bg1"/>
+                </a:solidFill>
+                <a:latin typeface="微软雅黑 Light" panose="020B0502040204020203" pitchFamily="34" charset="-122"/>
+                <a:ea typeface="微软雅黑 Light" panose="020B0502040204020203" pitchFamily="34" charset="-122"/>
+              </a:rPr>
+              <a:t>footer&gt;</a:t>
+            </a:r>
+            <a:r>
+              <a:rPr lang="zh-CN" altLang="en-US" sz="1600" dirty="0" smtClean="0">
+                <a:solidFill>
+                  <a:schemeClr val="bg1"/>
+                </a:solidFill>
+                <a:latin typeface="微软雅黑 Light" panose="020B0502040204020203" pitchFamily="34" charset="-122"/>
+                <a:ea typeface="微软雅黑 Light" panose="020B0502040204020203" pitchFamily="34" charset="-122"/>
+              </a:rPr>
+              <a:t>：底部页脚</a:t>
+            </a:r>
+            <a:endParaRPr lang="en-US" altLang="zh-CN" sz="1600" dirty="0" smtClean="0">
+              <a:solidFill>
+                <a:schemeClr val="bg1"/>
+              </a:solidFill>
+              <a:latin typeface="微软雅黑 Light" panose="020B0502040204020203" pitchFamily="34" charset="-122"/>
+              <a:ea typeface="微软雅黑 Light" panose="020B0502040204020203" pitchFamily="34" charset="-122"/>
+            </a:endParaRPr>
+          </a:p>
+          <a:p>
+            <a:pPr>
+              <a:lnSpc>
+                <a:spcPct val="150000"/>
+              </a:lnSpc>
+            </a:pPr>
+            <a:endParaRPr lang="en-US" altLang="zh-CN" sz="1600" dirty="0">
+              <a:solidFill>
+                <a:schemeClr val="bg1"/>
+              </a:solidFill>
+              <a:latin typeface="微软雅黑 Light" panose="020B0502040204020203" pitchFamily="34" charset="-122"/>
+              <a:ea typeface="微软雅黑 Light" panose="020B0502040204020203" pitchFamily="34" charset="-122"/>
+            </a:endParaRPr>
+          </a:p>
+          <a:p>
+            <a:pPr>
+              <a:lnSpc>
+                <a:spcPct val="150000"/>
+              </a:lnSpc>
+            </a:pPr>
+            <a:r>
+              <a:rPr lang="zh-CN" altLang="en-US" sz="1600" dirty="0" smtClean="0">
+                <a:solidFill>
+                  <a:schemeClr val="bg1"/>
+                </a:solidFill>
+                <a:latin typeface="微软雅黑 Light" panose="020B0502040204020203" pitchFamily="34" charset="-122"/>
+                <a:ea typeface="微软雅黑 Light" panose="020B0502040204020203" pitchFamily="34" charset="-122"/>
+              </a:rPr>
+              <a:t>文档声明</a:t>
+            </a:r>
+            <a:r>
+              <a:rPr lang="zh-CN" altLang="en-US" sz="1600" dirty="0" smtClean="0">
+                <a:solidFill>
+                  <a:schemeClr val="bg1"/>
+                </a:solidFill>
+                <a:latin typeface="微软雅黑 Light" panose="020B0502040204020203" pitchFamily="34" charset="-122"/>
+                <a:ea typeface="微软雅黑 Light" panose="020B0502040204020203" pitchFamily="34" charset="-122"/>
+              </a:rPr>
+              <a:t>：</a:t>
+            </a:r>
+            <a:r>
+              <a:rPr lang="en-US" altLang="zh-CN" sz="1600" dirty="0" smtClean="0">
+                <a:solidFill>
+                  <a:schemeClr val="bg1"/>
+                </a:solidFill>
+                <a:latin typeface="微软雅黑 Light" panose="020B0502040204020203" pitchFamily="34" charset="-122"/>
+                <a:ea typeface="微软雅黑 Light" panose="020B0502040204020203" pitchFamily="34" charset="-122"/>
+              </a:rPr>
+              <a:t>&lt;!</a:t>
+            </a:r>
+            <a:r>
+              <a:rPr lang="en-US" altLang="zh-CN" sz="1600" dirty="0">
+                <a:solidFill>
+                  <a:schemeClr val="bg1"/>
+                </a:solidFill>
+                <a:latin typeface="微软雅黑 Light" panose="020B0502040204020203" pitchFamily="34" charset="-122"/>
+                <a:ea typeface="微软雅黑 Light" panose="020B0502040204020203" pitchFamily="34" charset="-122"/>
+              </a:rPr>
+              <a:t>DOCTYPE html&gt;</a:t>
+            </a:r>
+          </a:p>
+        </p:txBody>
+      </p:sp>
     </p:spTree>
     <p:extLst>
       <p:ext uri="{BB962C8B-B14F-4D97-AF65-F5344CB8AC3E}">
@@ -45853,7 +48009,7 @@
         <p:spPr>
           <a:xfrm>
             <a:off x="622570" y="457200"/>
-            <a:ext cx="3861881" cy="400110"/>
+            <a:ext cx="5943927" cy="400110"/>
           </a:xfrm>
           <a:prstGeom prst="rect">
             <a:avLst/>
@@ -45867,7 +48023,15 @@
           <a:lstStyle/>
           <a:p>
             <a:r>
-              <a:rPr lang="en-US" altLang="zh-CN" sz="2000" dirty="0" err="1">
+              <a:rPr lang="zh-CN" altLang="en-US" sz="2000" dirty="0" smtClean="0">
+                <a:solidFill>
+                  <a:schemeClr val="bg1"/>
+                </a:solidFill>
+              </a:rPr>
+              <a:t>代码缩进、</a:t>
+            </a:r>
+            <a:r>
+              <a:rPr lang="en-US" altLang="zh-CN" sz="2000" dirty="0" err="1" smtClean="0">
                 <a:solidFill>
                   <a:schemeClr val="bg1"/>
                 </a:solidFill>
@@ -46114,6 +48278,323 @@
           </a:p>
         </p:txBody>
       </p:sp>
+      <p:pic>
+        <p:nvPicPr>
+          <p:cNvPr id="2" name="图片 1"/>
+          <p:cNvPicPr>
+            <a:picLocks noChangeAspect="1"/>
+          </p:cNvPicPr>
+          <p:nvPr/>
+        </p:nvPicPr>
+        <p:blipFill>
+          <a:blip r:embed="rId2">
+            <a:extLst>
+              <a:ext uri="{28A0092B-C50C-407E-A947-70E740481C1C}">
+                <a14:useLocalDpi xmlns:a14="http://schemas.microsoft.com/office/drawing/2010/main" val="0"/>
+              </a:ext>
+            </a:extLst>
+          </a:blip>
+          <a:stretch>
+            <a:fillRect/>
+          </a:stretch>
+        </p:blipFill>
+        <p:spPr>
+          <a:xfrm>
+            <a:off x="2856098" y="800680"/>
+            <a:ext cx="5919152" cy="3394480"/>
+          </a:xfrm>
+          <a:prstGeom prst="rect">
+            <a:avLst/>
+          </a:prstGeom>
+        </p:spPr>
+      </p:pic>
+      <p:sp>
+        <p:nvSpPr>
+          <p:cNvPr id="5" name="文本框 9"/>
+          <p:cNvSpPr txBox="1"/>
+          <p:nvPr/>
+        </p:nvSpPr>
+        <p:spPr>
+          <a:xfrm>
+            <a:off x="109662" y="1613902"/>
+            <a:ext cx="2746436" cy="1754326"/>
+          </a:xfrm>
+          <a:prstGeom prst="rect">
+            <a:avLst/>
+          </a:prstGeom>
+          <a:noFill/>
+        </p:spPr>
+        <p:txBody>
+          <a:bodyPr wrap="square" rtlCol="0">
+            <a:spAutoFit/>
+          </a:bodyPr>
+          <a:lstStyle/>
+          <a:p>
+            <a:pPr>
+              <a:lnSpc>
+                <a:spcPct val="150000"/>
+              </a:lnSpc>
+            </a:pPr>
+            <a:r>
+              <a:rPr lang="en-US" altLang="zh-CN" sz="1200" dirty="0">
+                <a:solidFill>
+                  <a:schemeClr val="bg1"/>
+                </a:solidFill>
+                <a:latin typeface="微软雅黑 Light" panose="020B0502040204020203" pitchFamily="34" charset="-122"/>
+                <a:ea typeface="微软雅黑 Light" panose="020B0502040204020203" pitchFamily="34" charset="-122"/>
+              </a:rPr>
+              <a:t>l</a:t>
+            </a:r>
+            <a:r>
+              <a:rPr lang="en-US" altLang="zh-CN" sz="1200" dirty="0" smtClean="0">
+                <a:solidFill>
+                  <a:schemeClr val="bg1"/>
+                </a:solidFill>
+                <a:latin typeface="微软雅黑 Light" panose="020B0502040204020203" pitchFamily="34" charset="-122"/>
+                <a:ea typeface="微软雅黑 Light" panose="020B0502040204020203" pitchFamily="34" charset="-122"/>
+              </a:rPr>
+              <a:t>abel</a:t>
+            </a:r>
+            <a:r>
+              <a:rPr lang="zh-CN" altLang="en-US" sz="1200" dirty="0" smtClean="0">
+                <a:solidFill>
+                  <a:schemeClr val="bg1"/>
+                </a:solidFill>
+                <a:latin typeface="微软雅黑 Light" panose="020B0502040204020203" pitchFamily="34" charset="-122"/>
+                <a:ea typeface="微软雅黑 Light" panose="020B0502040204020203" pitchFamily="34" charset="-122"/>
+              </a:rPr>
+              <a:t>标签与</a:t>
+            </a:r>
+            <a:r>
+              <a:rPr lang="en-US" altLang="zh-CN" sz="1200" dirty="0" smtClean="0">
+                <a:solidFill>
+                  <a:schemeClr val="bg1"/>
+                </a:solidFill>
+                <a:latin typeface="微软雅黑 Light" panose="020B0502040204020203" pitchFamily="34" charset="-122"/>
+                <a:ea typeface="微软雅黑 Light" panose="020B0502040204020203" pitchFamily="34" charset="-122"/>
+              </a:rPr>
+              <a:t>input</a:t>
+            </a:r>
+            <a:r>
+              <a:rPr lang="zh-CN" altLang="en-US" sz="1200" dirty="0" smtClean="0">
+                <a:solidFill>
+                  <a:schemeClr val="bg1"/>
+                </a:solidFill>
+                <a:latin typeface="微软雅黑 Light" panose="020B0502040204020203" pitchFamily="34" charset="-122"/>
+                <a:ea typeface="微软雅黑 Light" panose="020B0502040204020203" pitchFamily="34" charset="-122"/>
+              </a:rPr>
+              <a:t>标签应成对出现</a:t>
+            </a:r>
+            <a:endParaRPr lang="en-US" altLang="zh-CN" sz="1200" dirty="0" smtClean="0">
+              <a:solidFill>
+                <a:schemeClr val="bg1"/>
+              </a:solidFill>
+              <a:latin typeface="微软雅黑 Light" panose="020B0502040204020203" pitchFamily="34" charset="-122"/>
+              <a:ea typeface="微软雅黑 Light" panose="020B0502040204020203" pitchFamily="34" charset="-122"/>
+            </a:endParaRPr>
+          </a:p>
+          <a:p>
+            <a:pPr>
+              <a:lnSpc>
+                <a:spcPct val="150000"/>
+              </a:lnSpc>
+            </a:pPr>
+            <a:r>
+              <a:rPr lang="en-US" altLang="zh-CN" sz="1200" dirty="0" smtClean="0">
+                <a:solidFill>
+                  <a:schemeClr val="bg1"/>
+                </a:solidFill>
+                <a:latin typeface="微软雅黑 Light" panose="020B0502040204020203" pitchFamily="34" charset="-122"/>
+                <a:ea typeface="微软雅黑 Light" panose="020B0502040204020203" pitchFamily="34" charset="-122"/>
+              </a:rPr>
+              <a:t>form-group-item</a:t>
+            </a:r>
+            <a:r>
+              <a:rPr lang="zh-CN" altLang="en-US" sz="1200" dirty="0" smtClean="0">
+                <a:solidFill>
+                  <a:schemeClr val="bg1"/>
+                </a:solidFill>
+                <a:latin typeface="微软雅黑 Light" panose="020B0502040204020203" pitchFamily="34" charset="-122"/>
+                <a:ea typeface="微软雅黑 Light" panose="020B0502040204020203" pitchFamily="34" charset="-122"/>
+              </a:rPr>
+              <a:t>：控制一组元素换行</a:t>
+            </a:r>
+            <a:endParaRPr lang="en-US" altLang="zh-CN" sz="1200" dirty="0" smtClean="0">
+              <a:solidFill>
+                <a:schemeClr val="bg1"/>
+              </a:solidFill>
+              <a:latin typeface="微软雅黑 Light" panose="020B0502040204020203" pitchFamily="34" charset="-122"/>
+              <a:ea typeface="微软雅黑 Light" panose="020B0502040204020203" pitchFamily="34" charset="-122"/>
+            </a:endParaRPr>
+          </a:p>
+          <a:p>
+            <a:pPr>
+              <a:lnSpc>
+                <a:spcPct val="150000"/>
+              </a:lnSpc>
+            </a:pPr>
+            <a:r>
+              <a:rPr lang="en-US" altLang="zh-CN" sz="1200" dirty="0" smtClean="0">
+                <a:solidFill>
+                  <a:schemeClr val="bg1"/>
+                </a:solidFill>
+                <a:latin typeface="微软雅黑 Light" panose="020B0502040204020203" pitchFamily="34" charset="-122"/>
+                <a:ea typeface="微软雅黑 Light" panose="020B0502040204020203" pitchFamily="34" charset="-122"/>
+              </a:rPr>
+              <a:t>form-inline</a:t>
+            </a:r>
+            <a:r>
+              <a:rPr lang="zh-CN" altLang="en-US" sz="1200" dirty="0" smtClean="0">
+                <a:solidFill>
+                  <a:schemeClr val="bg1"/>
+                </a:solidFill>
+                <a:latin typeface="微软雅黑 Light" panose="020B0502040204020203" pitchFamily="34" charset="-122"/>
+                <a:ea typeface="微软雅黑 Light" panose="020B0502040204020203" pitchFamily="34" charset="-122"/>
+              </a:rPr>
+              <a:t>：组内元素横排显示</a:t>
+            </a:r>
+            <a:endParaRPr lang="en-US" altLang="zh-CN" sz="1200" dirty="0" smtClean="0">
+              <a:solidFill>
+                <a:schemeClr val="bg1"/>
+              </a:solidFill>
+              <a:latin typeface="微软雅黑 Light" panose="020B0502040204020203" pitchFamily="34" charset="-122"/>
+              <a:ea typeface="微软雅黑 Light" panose="020B0502040204020203" pitchFamily="34" charset="-122"/>
+            </a:endParaRPr>
+          </a:p>
+          <a:p>
+            <a:pPr>
+              <a:lnSpc>
+                <a:spcPct val="150000"/>
+              </a:lnSpc>
+            </a:pPr>
+            <a:r>
+              <a:rPr lang="en-US" altLang="zh-CN" sz="1200" dirty="0" smtClean="0">
+                <a:solidFill>
+                  <a:schemeClr val="bg1"/>
+                </a:solidFill>
+                <a:latin typeface="微软雅黑 Light" panose="020B0502040204020203" pitchFamily="34" charset="-122"/>
+                <a:ea typeface="微软雅黑 Light" panose="020B0502040204020203" pitchFamily="34" charset="-122"/>
+              </a:rPr>
+              <a:t>form-input-block</a:t>
+            </a:r>
+            <a:r>
+              <a:rPr lang="zh-CN" altLang="en-US" sz="1200" dirty="0" smtClean="0">
+                <a:solidFill>
+                  <a:schemeClr val="bg1"/>
+                </a:solidFill>
+                <a:latin typeface="微软雅黑 Light" panose="020B0502040204020203" pitchFamily="34" charset="-122"/>
+                <a:ea typeface="微软雅黑 Light" panose="020B0502040204020203" pitchFamily="34" charset="-122"/>
+              </a:rPr>
+              <a:t>：</a:t>
+            </a:r>
+            <a:r>
+              <a:rPr lang="zh-CN" altLang="en-US" sz="1200" dirty="0">
+                <a:solidFill>
+                  <a:schemeClr val="bg1"/>
+                </a:solidFill>
+                <a:latin typeface="微软雅黑 Light" panose="020B0502040204020203" pitchFamily="34" charset="-122"/>
+                <a:ea typeface="微软雅黑 Light" panose="020B0502040204020203" pitchFamily="34" charset="-122"/>
+              </a:rPr>
+              <a:t>长</a:t>
+            </a:r>
+            <a:r>
+              <a:rPr lang="zh-CN" altLang="en-US" sz="1200" dirty="0" smtClean="0">
+                <a:solidFill>
+                  <a:schemeClr val="bg1"/>
+                </a:solidFill>
+                <a:latin typeface="微软雅黑 Light" panose="020B0502040204020203" pitchFamily="34" charset="-122"/>
+                <a:ea typeface="微软雅黑 Light" panose="020B0502040204020203" pitchFamily="34" charset="-122"/>
+              </a:rPr>
+              <a:t>文本输入框</a:t>
+            </a:r>
+            <a:endParaRPr lang="en-US" altLang="zh-CN" sz="1200" dirty="0" smtClean="0">
+              <a:solidFill>
+                <a:schemeClr val="bg1"/>
+              </a:solidFill>
+              <a:latin typeface="微软雅黑 Light" panose="020B0502040204020203" pitchFamily="34" charset="-122"/>
+              <a:ea typeface="微软雅黑 Light" panose="020B0502040204020203" pitchFamily="34" charset="-122"/>
+            </a:endParaRPr>
+          </a:p>
+          <a:p>
+            <a:pPr>
+              <a:lnSpc>
+                <a:spcPct val="150000"/>
+              </a:lnSpc>
+            </a:pPr>
+            <a:r>
+              <a:rPr lang="en-US" altLang="zh-CN" sz="1200" dirty="0" smtClean="0">
+                <a:solidFill>
+                  <a:schemeClr val="bg1"/>
+                </a:solidFill>
+                <a:latin typeface="微软雅黑 Light" panose="020B0502040204020203" pitchFamily="34" charset="-122"/>
+                <a:ea typeface="微软雅黑 Light" panose="020B0502040204020203" pitchFamily="34" charset="-122"/>
+              </a:rPr>
+              <a:t>form-input-inline</a:t>
+            </a:r>
+            <a:r>
+              <a:rPr lang="zh-CN" altLang="en-US" sz="1200" dirty="0" smtClean="0">
+                <a:solidFill>
+                  <a:schemeClr val="bg1"/>
+                </a:solidFill>
+                <a:latin typeface="微软雅黑 Light" panose="020B0502040204020203" pitchFamily="34" charset="-122"/>
+                <a:ea typeface="微软雅黑 Light" panose="020B0502040204020203" pitchFamily="34" charset="-122"/>
+              </a:rPr>
+              <a:t>：短文本输入框</a:t>
+            </a:r>
+            <a:endParaRPr lang="en-US" altLang="zh-CN" sz="1200" dirty="0" smtClean="0">
+              <a:solidFill>
+                <a:schemeClr val="bg1"/>
+              </a:solidFill>
+              <a:latin typeface="微软雅黑 Light" panose="020B0502040204020203" pitchFamily="34" charset="-122"/>
+              <a:ea typeface="微软雅黑 Light" panose="020B0502040204020203" pitchFamily="34" charset="-122"/>
+            </a:endParaRPr>
+          </a:p>
+          <a:p>
+            <a:pPr>
+              <a:lnSpc>
+                <a:spcPct val="150000"/>
+              </a:lnSpc>
+            </a:pPr>
+            <a:r>
+              <a:rPr lang="en-US" altLang="zh-CN" sz="1200" dirty="0">
+                <a:solidFill>
+                  <a:schemeClr val="bg1"/>
+                </a:solidFill>
+                <a:latin typeface="微软雅黑 Light" panose="020B0502040204020203" pitchFamily="34" charset="-122"/>
+                <a:ea typeface="微软雅黑 Light" panose="020B0502040204020203" pitchFamily="34" charset="-122"/>
+              </a:rPr>
+              <a:t>f</a:t>
+            </a:r>
+            <a:r>
+              <a:rPr lang="en-US" altLang="zh-CN" sz="1200" dirty="0" smtClean="0">
+                <a:solidFill>
+                  <a:schemeClr val="bg1"/>
+                </a:solidFill>
+                <a:latin typeface="微软雅黑 Light" panose="020B0502040204020203" pitchFamily="34" charset="-122"/>
+                <a:ea typeface="微软雅黑 Light" panose="020B0502040204020203" pitchFamily="34" charset="-122"/>
+              </a:rPr>
+              <a:t>orm-control</a:t>
+            </a:r>
+            <a:r>
+              <a:rPr lang="zh-CN" altLang="en-US" sz="1200" dirty="0" smtClean="0">
+                <a:solidFill>
+                  <a:schemeClr val="bg1"/>
+                </a:solidFill>
+                <a:latin typeface="微软雅黑 Light" panose="020B0502040204020203" pitchFamily="34" charset="-122"/>
+                <a:ea typeface="微软雅黑 Light" panose="020B0502040204020203" pitchFamily="34" charset="-122"/>
+              </a:rPr>
+              <a:t>：输入框</a:t>
+            </a:r>
+            <a:endParaRPr lang="en-US" altLang="zh-CN" sz="1200" dirty="0" smtClean="0">
+              <a:solidFill>
+                <a:schemeClr val="bg1"/>
+              </a:solidFill>
+              <a:latin typeface="微软雅黑 Light" panose="020B0502040204020203" pitchFamily="34" charset="-122"/>
+              <a:ea typeface="微软雅黑 Light" panose="020B0502040204020203" pitchFamily="34" charset="-122"/>
+            </a:endParaRPr>
+          </a:p>
+        </p:txBody>
+      </p:sp>
     </p:spTree>
     <p:extLst>
       <p:ext uri="{BB962C8B-B14F-4D97-AF65-F5344CB8AC3E}">
@@ -46239,6 +48720,199 @@
           <a:lstStyle/>
           <a:p>
             <a:endParaRPr lang="zh-CN" altLang="en-US"/>
+          </a:p>
+        </p:txBody>
+      </p:sp>
+      <p:pic>
+        <p:nvPicPr>
+          <p:cNvPr id="1026" name="Picture 2"/>
+          <p:cNvPicPr>
+            <a:picLocks noChangeAspect="1" noChangeArrowheads="1"/>
+          </p:cNvPicPr>
+          <p:nvPr/>
+        </p:nvPicPr>
+        <p:blipFill>
+          <a:blip r:embed="rId2">
+            <a:extLst>
+              <a:ext uri="{28A0092B-C50C-407E-A947-70E740481C1C}">
+                <a14:useLocalDpi xmlns:a14="http://schemas.microsoft.com/office/drawing/2010/main" val="0"/>
+              </a:ext>
+            </a:extLst>
+          </a:blip>
+          <a:srcRect/>
+          <a:stretch>
+            <a:fillRect/>
+          </a:stretch>
+        </p:blipFill>
+        <p:spPr bwMode="auto">
+          <a:xfrm>
+            <a:off x="3911211" y="540859"/>
+            <a:ext cx="4621874" cy="1955800"/>
+          </a:xfrm>
+          <a:prstGeom prst="rect">
+            <a:avLst/>
+          </a:prstGeom>
+          <a:noFill/>
+          <a:ln>
+            <a:noFill/>
+          </a:ln>
+          <a:extLst>
+            <a:ext uri="{909E8E84-426E-40DD-AFC4-6F175D3DCCD1}">
+              <a14:hiddenFill xmlns:a14="http://schemas.microsoft.com/office/drawing/2010/main">
+                <a:solidFill>
+                  <a:schemeClr val="accent1"/>
+                </a:solidFill>
+              </a14:hiddenFill>
+            </a:ext>
+            <a:ext uri="{91240B29-F687-4F45-9708-019B960494DF}">
+              <a14:hiddenLine xmlns:a14="http://schemas.microsoft.com/office/drawing/2010/main" w="9525">
+                <a:solidFill>
+                  <a:schemeClr val="tx1"/>
+                </a:solidFill>
+                <a:miter lim="800000"/>
+                <a:headEnd/>
+                <a:tailEnd/>
+              </a14:hiddenLine>
+            </a:ext>
+          </a:extLst>
+        </p:spPr>
+      </p:pic>
+      <p:pic>
+        <p:nvPicPr>
+          <p:cNvPr id="1028" name="Picture 4"/>
+          <p:cNvPicPr>
+            <a:picLocks noChangeAspect="1" noChangeArrowheads="1"/>
+          </p:cNvPicPr>
+          <p:nvPr/>
+        </p:nvPicPr>
+        <p:blipFill>
+          <a:blip r:embed="rId3">
+            <a:extLst>
+              <a:ext uri="{28A0092B-C50C-407E-A947-70E740481C1C}">
+                <a14:useLocalDpi xmlns:a14="http://schemas.microsoft.com/office/drawing/2010/main" val="0"/>
+              </a:ext>
+            </a:extLst>
+          </a:blip>
+          <a:srcRect/>
+          <a:stretch>
+            <a:fillRect/>
+          </a:stretch>
+        </p:blipFill>
+        <p:spPr bwMode="auto">
+          <a:xfrm>
+            <a:off x="527510" y="2964684"/>
+            <a:ext cx="5643069" cy="1821335"/>
+          </a:xfrm>
+          <a:prstGeom prst="rect">
+            <a:avLst/>
+          </a:prstGeom>
+          <a:noFill/>
+          <a:ln>
+            <a:noFill/>
+          </a:ln>
+          <a:extLst>
+            <a:ext uri="{909E8E84-426E-40DD-AFC4-6F175D3DCCD1}">
+              <a14:hiddenFill xmlns:a14="http://schemas.microsoft.com/office/drawing/2010/main">
+                <a:solidFill>
+                  <a:schemeClr val="accent1"/>
+                </a:solidFill>
+              </a14:hiddenFill>
+            </a:ext>
+            <a:ext uri="{91240B29-F687-4F45-9708-019B960494DF}">
+              <a14:hiddenLine xmlns:a14="http://schemas.microsoft.com/office/drawing/2010/main" w="9525">
+                <a:solidFill>
+                  <a:schemeClr val="tx1"/>
+                </a:solidFill>
+                <a:miter lim="800000"/>
+                <a:headEnd/>
+                <a:tailEnd/>
+              </a14:hiddenLine>
+            </a:ext>
+          </a:extLst>
+        </p:spPr>
+      </p:pic>
+      <p:sp>
+        <p:nvSpPr>
+          <p:cNvPr id="7" name="文本框 9"/>
+          <p:cNvSpPr txBox="1"/>
+          <p:nvPr/>
+        </p:nvSpPr>
+        <p:spPr>
+          <a:xfrm>
+            <a:off x="572453" y="1174196"/>
+            <a:ext cx="3222158" cy="1015663"/>
+          </a:xfrm>
+          <a:prstGeom prst="rect">
+            <a:avLst/>
+          </a:prstGeom>
+          <a:noFill/>
+        </p:spPr>
+        <p:txBody>
+          <a:bodyPr wrap="square" rtlCol="0">
+            <a:spAutoFit/>
+          </a:bodyPr>
+          <a:lstStyle/>
+          <a:p>
+            <a:pPr>
+              <a:lnSpc>
+                <a:spcPct val="150000"/>
+              </a:lnSpc>
+            </a:pPr>
+            <a:r>
+              <a:rPr lang="zh-CN" altLang="en-US" sz="2000" dirty="0" smtClean="0">
+                <a:solidFill>
+                  <a:schemeClr val="bg1"/>
+                </a:solidFill>
+                <a:effectLst/>
+              </a:rPr>
+              <a:t>指定按钮类型为</a:t>
+            </a:r>
+            <a:r>
+              <a:rPr lang="en-US" altLang="zh-CN" sz="2000" dirty="0" smtClean="0">
+                <a:solidFill>
+                  <a:schemeClr val="bg1"/>
+                </a:solidFill>
+                <a:effectLst/>
+              </a:rPr>
+              <a:t>button</a:t>
+            </a:r>
+          </a:p>
+          <a:p>
+            <a:pPr>
+              <a:lnSpc>
+                <a:spcPct val="150000"/>
+              </a:lnSpc>
+            </a:pPr>
+            <a:r>
+              <a:rPr lang="zh-CN" altLang="en-US" sz="2000" dirty="0" smtClean="0">
+                <a:solidFill>
+                  <a:schemeClr val="bg1"/>
+                </a:solidFill>
+              </a:rPr>
+              <a:t>禁用按钮加上</a:t>
+            </a:r>
+            <a:r>
+              <a:rPr lang="en-US" altLang="zh-CN" sz="2000" dirty="0" smtClean="0">
+                <a:solidFill>
+                  <a:schemeClr val="bg1"/>
+                </a:solidFill>
+              </a:rPr>
+              <a:t>disabled</a:t>
+            </a:r>
+            <a:r>
+              <a:rPr lang="zh-CN" altLang="en-US" sz="2000" dirty="0" smtClean="0">
+                <a:solidFill>
+                  <a:schemeClr val="bg1"/>
+                </a:solidFill>
+              </a:rPr>
+              <a:t>属性</a:t>
+            </a:r>
+            <a:endParaRPr lang="zh-CN" altLang="en-US" sz="2000" dirty="0">
+              <a:solidFill>
+                <a:schemeClr val="bg1"/>
+              </a:solidFill>
+              <a:effectLst/>
+            </a:endParaRPr>
           </a:p>
         </p:txBody>
       </p:sp>
@@ -46460,7 +49134,7 @@
   <a:extraClrSchemeLst/>
   <a:extLst>
     <a:ext uri="{05A4C25C-085E-4340-85A3-A5531E510DB2}">
-      <thm15:themeFamily xmlns:thm15="http://schemas.microsoft.com/office/thememl/2012/main" name="Office Theme" id="{62F939B6-93AF-4DB8-9C6B-D6C7DFDC589F}" vid="{4A3C46E8-61CC-4603-A589-7422A47A8E4A}"/>
+      <thm15:themeFamily xmlns="" xmlns:thm15="http://schemas.microsoft.com/office/thememl/2012/main" name="Office Theme" id="{62F939B6-93AF-4DB8-9C6B-D6C7DFDC589F}" vid="{4A3C46E8-61CC-4603-A589-7422A47A8E4A}"/>
     </a:ext>
   </a:extLst>
 </a:theme>
